--- a/02.数据类型以及存储和转换/02.数据类型以及存储和转换.pptx
+++ b/02.数据类型以及存储和转换/02.数据类型以及存储和转换.pptx
@@ -12,7 +12,7 @@
     <p:notesMasterId r:id="rId8"/>
   </p:notesMasterIdLst>
   <p:handoutMasterIdLst>
-    <p:handoutMasterId r:id="rId47"/>
+    <p:handoutMasterId r:id="rId48"/>
   </p:handoutMasterIdLst>
   <p:sldIdLst>
     <p:sldId id="284" r:id="rId7"/>
@@ -36,10 +36,10 @@
     <p:sldId id="880" r:id="rId26"/>
     <p:sldId id="881" r:id="rId27"/>
     <p:sldId id="919" r:id="rId28"/>
-    <p:sldId id="1020" r:id="rId29"/>
-    <p:sldId id="1021" r:id="rId30"/>
-    <p:sldId id="1052" r:id="rId31"/>
-    <p:sldId id="882" r:id="rId32"/>
+    <p:sldId id="1052" r:id="rId29"/>
+    <p:sldId id="882" r:id="rId30"/>
+    <p:sldId id="1020" r:id="rId31"/>
+    <p:sldId id="1021" r:id="rId32"/>
     <p:sldId id="920" r:id="rId33"/>
     <p:sldId id="884" r:id="rId34"/>
     <p:sldId id="885" r:id="rId35"/>
@@ -51,9 +51,10 @@
     <p:sldId id="1068" r:id="rId41"/>
     <p:sldId id="928" r:id="rId42"/>
     <p:sldId id="912" r:id="rId43"/>
-    <p:sldId id="965" r:id="rId44"/>
-    <p:sldId id="913" r:id="rId45"/>
-    <p:sldId id="862" r:id="rId46"/>
+    <p:sldId id="913" r:id="rId44"/>
+    <p:sldId id="965" r:id="rId45"/>
+    <p:sldId id="1075" r:id="rId46"/>
+    <p:sldId id="862" r:id="rId47"/>
   </p:sldIdLst>
   <p:sldSz cx="12192000" cy="6858000"/>
   <p:notesSz cx="6858000" cy="9144000"/>
@@ -11853,6 +11854,924 @@
       <p:grpSpPr/>
       <p:sp>
         <p:nvSpPr>
+          <p:cNvPr id="21" name="矩形 20"/>
+          <p:cNvSpPr/>
+          <p:nvPr/>
+        </p:nvSpPr>
+        <p:spPr>
+          <a:xfrm>
+            <a:off x="-24130" y="0"/>
+            <a:ext cx="12216130" cy="6885305"/>
+          </a:xfrm>
+          <a:prstGeom prst="rect">
+            <a:avLst/>
+          </a:prstGeom>
+          <a:solidFill>
+            <a:schemeClr val="bg1"/>
+          </a:solidFill>
+          <a:ln w="9525" cap="flat" cmpd="sng" algn="ctr">
+            <a:noFill/>
+            <a:prstDash val="solid"/>
+            <a:round/>
+            <a:headEnd type="none" w="med" len="med"/>
+            <a:tailEnd type="none" w="med" len="med"/>
+          </a:ln>
+        </p:spPr>
+        <p:txBody>
+          <a:bodyPr vert="horz" wrap="square" lIns="91440" tIns="45720" rIns="91440" bIns="45720" numCol="1" anchor="t" anchorCtr="0" compatLnSpc="1"/>
+          <a:p>
+            <a:pPr marL="0" marR="0" indent="0" algn="l" defTabSz="914400" rtl="0" eaLnBrk="0" fontAlgn="base" latinLnBrk="0" hangingPunct="0">
+              <a:lnSpc>
+                <a:spcPct val="100000"/>
+              </a:lnSpc>
+              <a:spcBef>
+                <a:spcPct val="0"/>
+              </a:spcBef>
+              <a:spcAft>
+                <a:spcPct val="0"/>
+              </a:spcAft>
+              <a:buClrTx/>
+              <a:buSzTx/>
+              <a:buFontTx/>
+              <a:buNone/>
+            </a:pPr>
+            <a:endParaRPr kumimoji="0" lang="zh-CN" altLang="en-US" sz="3200" b="0" i="0" u="none" strike="noStrike" cap="none" normalizeH="0" baseline="0" smtClean="0">
+              <a:ln>
+                <a:noFill/>
+              </a:ln>
+              <a:solidFill>
+                <a:schemeClr val="tx1"/>
+              </a:solidFill>
+              <a:effectLst/>
+              <a:latin typeface="Arial" panose="020B0604020202020204" pitchFamily="34" charset="0"/>
+            </a:endParaRPr>
+          </a:p>
+        </p:txBody>
+      </p:sp>
+      <p:sp>
+        <p:nvSpPr>
+          <p:cNvPr id="5" name="文本框 4"/>
+          <p:cNvSpPr txBox="1"/>
+          <p:nvPr>
+            <p:custDataLst>
+              <p:tags r:id="rId1"/>
+            </p:custDataLst>
+          </p:nvPr>
+        </p:nvSpPr>
+        <p:spPr>
+          <a:xfrm>
+            <a:off x="6683375" y="1127760"/>
+            <a:ext cx="3542030" cy="2143125"/>
+          </a:xfrm>
+          <a:prstGeom prst="rect">
+            <a:avLst/>
+          </a:prstGeom>
+          <a:noFill/>
+        </p:spPr>
+        <p:txBody>
+          <a:bodyPr wrap="square" rtlCol="0" anchor="ctr" anchorCtr="0">
+            <a:noAutofit/>
+          </a:bodyPr>
+          <a:p>
+            <a:pPr lvl="0" algn="l">
+              <a:buNone/>
+            </a:pPr>
+            <a:r>
+              <a:rPr lang="zh-CN" altLang="en-US" sz="2600">
+                <a:solidFill>
+                  <a:srgbClr val="000000"/>
+                </a:solidFill>
+                <a:latin typeface="微软雅黑" panose="020B0503020204020204" pitchFamily="34" charset="-122"/>
+                <a:ea typeface="微软雅黑" panose="020B0503020204020204" pitchFamily="34" charset="-122"/>
+              </a:rPr>
+              <a:t>分析代码，在控制台输出结果为（）。</a:t>
+            </a:r>
+            <a:endParaRPr lang="zh-CN" altLang="en-US" sz="2600">
+              <a:solidFill>
+                <a:srgbClr val="000000"/>
+              </a:solidFill>
+              <a:latin typeface="微软雅黑" panose="020B0503020204020204" pitchFamily="34" charset="-122"/>
+              <a:ea typeface="微软雅黑" panose="020B0503020204020204" pitchFamily="34" charset="-122"/>
+            </a:endParaRPr>
+          </a:p>
+        </p:txBody>
+      </p:sp>
+      <p:sp>
+        <p:nvSpPr>
+          <p:cNvPr id="6" name="文本框 5"/>
+          <p:cNvSpPr txBox="1"/>
+          <p:nvPr>
+            <p:custDataLst>
+              <p:tags r:id="rId2"/>
+            </p:custDataLst>
+          </p:nvPr>
+        </p:nvSpPr>
+        <p:spPr>
+          <a:xfrm>
+            <a:off x="2438400" y="3359785"/>
+            <a:ext cx="8534400" cy="642620"/>
+          </a:xfrm>
+          <a:prstGeom prst="rect">
+            <a:avLst/>
+          </a:prstGeom>
+          <a:noFill/>
+        </p:spPr>
+        <p:txBody>
+          <a:bodyPr wrap="square" rtlCol="0" anchor="ctr" anchorCtr="0">
+            <a:noAutofit/>
+          </a:bodyPr>
+          <a:p>
+            <a:pPr lvl="0" algn="l">
+              <a:buNone/>
+            </a:pPr>
+            <a:r>
+              <a:rPr lang="en-US" altLang="zh-CN" sz="2600">
+                <a:solidFill>
+                  <a:srgbClr val="000000"/>
+                </a:solidFill>
+                <a:latin typeface="微软雅黑" panose="020B0503020204020204" pitchFamily="34" charset="-122"/>
+                <a:ea typeface="微软雅黑" panose="020B0503020204020204" pitchFamily="34" charset="-122"/>
+              </a:rPr>
+              <a:t>[1, 2, 3, 4]</a:t>
+            </a:r>
+            <a:endParaRPr lang="en-US" altLang="zh-CN" sz="2600">
+              <a:solidFill>
+                <a:srgbClr val="000000"/>
+              </a:solidFill>
+              <a:latin typeface="微软雅黑" panose="020B0503020204020204" pitchFamily="34" charset="-122"/>
+              <a:ea typeface="微软雅黑" panose="020B0503020204020204" pitchFamily="34" charset="-122"/>
+            </a:endParaRPr>
+          </a:p>
+        </p:txBody>
+      </p:sp>
+      <p:sp>
+        <p:nvSpPr>
+          <p:cNvPr id="7" name="文本框 6"/>
+          <p:cNvSpPr txBox="1"/>
+          <p:nvPr>
+            <p:custDataLst>
+              <p:tags r:id="rId3"/>
+            </p:custDataLst>
+          </p:nvPr>
+        </p:nvSpPr>
+        <p:spPr>
+          <a:xfrm>
+            <a:off x="2438400" y="4217035"/>
+            <a:ext cx="8534400" cy="642620"/>
+          </a:xfrm>
+          <a:prstGeom prst="rect">
+            <a:avLst/>
+          </a:prstGeom>
+          <a:noFill/>
+        </p:spPr>
+        <p:txBody>
+          <a:bodyPr wrap="square" rtlCol="0" anchor="ctr" anchorCtr="0">
+            <a:noAutofit/>
+          </a:bodyPr>
+          <a:p>
+            <a:pPr lvl="0" algn="l">
+              <a:buNone/>
+            </a:pPr>
+            <a:r>
+              <a:rPr lang="zh-CN" altLang="en-US" sz="2600">
+                <a:solidFill>
+                  <a:srgbClr val="000000"/>
+                </a:solidFill>
+                <a:latin typeface="微软雅黑" panose="020B0503020204020204" pitchFamily="34" charset="-122"/>
+                <a:ea typeface="微软雅黑" panose="020B0503020204020204" pitchFamily="34" charset="-122"/>
+              </a:rPr>
+              <a:t>[ 2, 3, 4]</a:t>
+            </a:r>
+            <a:endParaRPr lang="zh-CN" altLang="en-US" sz="2600">
+              <a:solidFill>
+                <a:srgbClr val="000000"/>
+              </a:solidFill>
+              <a:latin typeface="微软雅黑" panose="020B0503020204020204" pitchFamily="34" charset="-122"/>
+              <a:ea typeface="微软雅黑" panose="020B0503020204020204" pitchFamily="34" charset="-122"/>
+            </a:endParaRPr>
+          </a:p>
+        </p:txBody>
+      </p:sp>
+      <p:sp>
+        <p:nvSpPr>
+          <p:cNvPr id="8" name="文本框 7"/>
+          <p:cNvSpPr txBox="1"/>
+          <p:nvPr>
+            <p:custDataLst>
+              <p:tags r:id="rId4"/>
+            </p:custDataLst>
+          </p:nvPr>
+        </p:nvSpPr>
+        <p:spPr>
+          <a:xfrm>
+            <a:off x="2438400" y="5074285"/>
+            <a:ext cx="8534400" cy="642620"/>
+          </a:xfrm>
+          <a:prstGeom prst="rect">
+            <a:avLst/>
+          </a:prstGeom>
+          <a:noFill/>
+        </p:spPr>
+        <p:txBody>
+          <a:bodyPr wrap="square" rtlCol="0" anchor="ctr" anchorCtr="0">
+            <a:noAutofit/>
+          </a:bodyPr>
+          <a:p>
+            <a:pPr lvl="0" algn="l">
+              <a:buNone/>
+            </a:pPr>
+            <a:r>
+              <a:rPr lang="zh-CN" altLang="en-US" sz="2600">
+                <a:solidFill>
+                  <a:srgbClr val="000000"/>
+                </a:solidFill>
+                <a:latin typeface="微软雅黑" panose="020B0503020204020204" pitchFamily="34" charset="-122"/>
+                <a:ea typeface="微软雅黑" panose="020B0503020204020204" pitchFamily="34" charset="-122"/>
+              </a:rPr>
+              <a:t>[ 2, 3, 4]</a:t>
+            </a:r>
+            <a:endParaRPr lang="zh-CN" altLang="en-US" sz="2600">
+              <a:solidFill>
+                <a:srgbClr val="000000"/>
+              </a:solidFill>
+              <a:latin typeface="微软雅黑" panose="020B0503020204020204" pitchFamily="34" charset="-122"/>
+              <a:ea typeface="微软雅黑" panose="020B0503020204020204" pitchFamily="34" charset="-122"/>
+            </a:endParaRPr>
+          </a:p>
+        </p:txBody>
+      </p:sp>
+      <p:sp>
+        <p:nvSpPr>
+          <p:cNvPr id="10" name="椭圆 9"/>
+          <p:cNvSpPr>
+            <a:spLocks noChangeAspect="1"/>
+          </p:cNvSpPr>
+          <p:nvPr>
+            <p:custDataLst>
+              <p:tags r:id="rId5"/>
+            </p:custDataLst>
+          </p:nvPr>
+        </p:nvSpPr>
+        <p:spPr>
+          <a:xfrm>
+            <a:off x="1571625" y="3423920"/>
+            <a:ext cx="514350" cy="514350"/>
+          </a:xfrm>
+          <a:prstGeom prst="ellipse">
+            <a:avLst/>
+          </a:prstGeom>
+          <a:solidFill>
+            <a:srgbClr val="808080"/>
+          </a:solidFill>
+          <a:ln w="12700" cap="flat" cmpd="sng" algn="ctr">
+            <a:solidFill>
+              <a:srgbClr val="000000"/>
+            </a:solidFill>
+            <a:prstDash val="solid"/>
+            <a:round/>
+            <a:headEnd type="none" w="med" len="med"/>
+            <a:tailEnd type="none" w="med" len="med"/>
+          </a:ln>
+        </p:spPr>
+        <p:txBody>
+          <a:bodyPr vert="horz" wrap="square" lIns="91440" tIns="45720" rIns="91440" bIns="45720" numCol="1" anchor="ctr" anchorCtr="1" compatLnSpc="1">
+            <a:noAutofit/>
+          </a:bodyPr>
+          <a:p>
+            <a:pPr marL="0" marR="0" indent="0" algn="l" defTabSz="914400" rtl="0" eaLnBrk="0" fontAlgn="base" latinLnBrk="0" hangingPunct="0">
+              <a:lnSpc>
+                <a:spcPct val="100000"/>
+              </a:lnSpc>
+              <a:spcBef>
+                <a:spcPct val="0"/>
+              </a:spcBef>
+              <a:spcAft>
+                <a:spcPct val="0"/>
+              </a:spcAft>
+              <a:buClrTx/>
+              <a:buSzTx/>
+              <a:buFontTx/>
+              <a:buNone/>
+            </a:pPr>
+            <a:r>
+              <a:rPr kumimoji="0" lang="zh-CN" altLang="en-US" sz="1600" b="0" i="0" u="none" strike="noStrike" cap="none" normalizeH="0" baseline="0" smtClean="0">
+                <a:ln>
+                  <a:noFill/>
+                </a:ln>
+                <a:solidFill>
+                  <a:srgbClr val="FFFFFF"/>
+                </a:solidFill>
+                <a:effectLst/>
+                <a:latin typeface="微软雅黑" panose="020B0503020204020204" pitchFamily="34" charset="-122"/>
+                <a:ea typeface="微软雅黑" panose="020B0503020204020204" pitchFamily="34" charset="-122"/>
+              </a:rPr>
+              <a:t>A</a:t>
+            </a:r>
+            <a:endParaRPr kumimoji="0" lang="zh-CN" altLang="en-US" sz="1600" b="0" i="0" u="none" strike="noStrike" cap="none" normalizeH="0" baseline="0" smtClean="0">
+              <a:ln>
+                <a:noFill/>
+              </a:ln>
+              <a:solidFill>
+                <a:srgbClr val="FFFFFF"/>
+              </a:solidFill>
+              <a:effectLst/>
+              <a:latin typeface="微软雅黑" panose="020B0503020204020204" pitchFamily="34" charset="-122"/>
+              <a:ea typeface="微软雅黑" panose="020B0503020204020204" pitchFamily="34" charset="-122"/>
+            </a:endParaRPr>
+          </a:p>
+        </p:txBody>
+      </p:sp>
+      <p:sp>
+        <p:nvSpPr>
+          <p:cNvPr id="12" name="椭圆 11"/>
+          <p:cNvSpPr>
+            <a:spLocks noChangeAspect="1"/>
+          </p:cNvSpPr>
+          <p:nvPr>
+            <p:custDataLst>
+              <p:tags r:id="rId6"/>
+            </p:custDataLst>
+          </p:nvPr>
+        </p:nvSpPr>
+        <p:spPr>
+          <a:xfrm>
+            <a:off x="1571625" y="5138420"/>
+            <a:ext cx="514350" cy="514350"/>
+          </a:xfrm>
+          <a:prstGeom prst="ellipse">
+            <a:avLst/>
+          </a:prstGeom>
+          <a:solidFill>
+            <a:srgbClr val="808080"/>
+          </a:solidFill>
+          <a:ln w="12700" cap="flat" cmpd="sng" algn="ctr">
+            <a:solidFill>
+              <a:srgbClr val="000000"/>
+            </a:solidFill>
+            <a:prstDash val="solid"/>
+            <a:round/>
+            <a:headEnd type="none" w="med" len="med"/>
+            <a:tailEnd type="none" w="med" len="med"/>
+          </a:ln>
+        </p:spPr>
+        <p:txBody>
+          <a:bodyPr vert="horz" wrap="square" lIns="91440" tIns="45720" rIns="91440" bIns="45720" numCol="1" anchor="ctr" anchorCtr="1" compatLnSpc="1">
+            <a:noAutofit/>
+          </a:bodyPr>
+          <a:p>
+            <a:pPr marL="0" marR="0" indent="0" algn="l" defTabSz="914400" rtl="0" eaLnBrk="0" fontAlgn="base" latinLnBrk="0" hangingPunct="0">
+              <a:lnSpc>
+                <a:spcPct val="100000"/>
+              </a:lnSpc>
+              <a:spcBef>
+                <a:spcPct val="0"/>
+              </a:spcBef>
+              <a:spcAft>
+                <a:spcPct val="0"/>
+              </a:spcAft>
+              <a:buClrTx/>
+              <a:buSzTx/>
+              <a:buFontTx/>
+              <a:buNone/>
+            </a:pPr>
+            <a:r>
+              <a:rPr kumimoji="0" lang="zh-CN" altLang="en-US" sz="1600" b="0" i="0" u="none" strike="noStrike" cap="none" normalizeH="0" baseline="0" smtClean="0">
+                <a:ln>
+                  <a:noFill/>
+                </a:ln>
+                <a:solidFill>
+                  <a:srgbClr val="FFFFFF"/>
+                </a:solidFill>
+                <a:effectLst/>
+                <a:latin typeface="微软雅黑" panose="020B0503020204020204" pitchFamily="34" charset="-122"/>
+                <a:ea typeface="微软雅黑" panose="020B0503020204020204" pitchFamily="34" charset="-122"/>
+              </a:rPr>
+              <a:t>C</a:t>
+            </a:r>
+            <a:endParaRPr kumimoji="0" lang="zh-CN" altLang="en-US" sz="1600" b="0" i="0" u="none" strike="noStrike" cap="none" normalizeH="0" baseline="0" smtClean="0">
+              <a:ln>
+                <a:noFill/>
+              </a:ln>
+              <a:solidFill>
+                <a:srgbClr val="FFFFFF"/>
+              </a:solidFill>
+              <a:effectLst/>
+              <a:latin typeface="微软雅黑" panose="020B0503020204020204" pitchFamily="34" charset="-122"/>
+              <a:ea typeface="微软雅黑" panose="020B0503020204020204" pitchFamily="34" charset="-122"/>
+            </a:endParaRPr>
+          </a:p>
+        </p:txBody>
+      </p:sp>
+      <p:pic>
+        <p:nvPicPr>
+          <p:cNvPr id="22" name="图片 21"/>
+          <p:cNvPicPr>
+            <a:picLocks noChangeAspect="1"/>
+          </p:cNvPicPr>
+          <p:nvPr/>
+        </p:nvPicPr>
+        <p:blipFill>
+          <a:blip r:embed="rId7"/>
+          <a:stretch>
+            <a:fillRect/>
+          </a:stretch>
+        </p:blipFill>
+        <p:spPr>
+          <a:xfrm>
+            <a:off x="1427480" y="1031875"/>
+            <a:ext cx="5047615" cy="2035175"/>
+          </a:xfrm>
+          <a:prstGeom prst="rect">
+            <a:avLst/>
+          </a:prstGeom>
+          <a:ln w="12700" cmpd="sng">
+            <a:solidFill>
+              <a:schemeClr val="accent1">
+                <a:shade val="50000"/>
+              </a:schemeClr>
+            </a:solidFill>
+            <a:prstDash val="solid"/>
+          </a:ln>
+        </p:spPr>
+      </p:pic>
+      <p:grpSp>
+        <p:nvGrpSpPr>
+          <p:cNvPr id="19" name="组合 18"/>
+          <p:cNvGrpSpPr/>
+          <p:nvPr>
+            <p:custDataLst>
+              <p:tags r:id="rId8"/>
+            </p:custDataLst>
+          </p:nvPr>
+        </p:nvGrpSpPr>
+        <p:grpSpPr>
+          <a:xfrm>
+            <a:off x="0" y="0"/>
+            <a:ext cx="12192000" cy="635000"/>
+            <a:chOff x="0" y="0"/>
+            <a:chExt cx="19200" cy="1000"/>
+          </a:xfrm>
+        </p:grpSpPr>
+        <p:sp>
+          <p:nvSpPr>
+            <p:cNvPr id="15" name="TitleBackground"/>
+            <p:cNvSpPr/>
+            <p:nvPr>
+              <p:custDataLst>
+                <p:tags r:id="rId9"/>
+              </p:custDataLst>
+            </p:nvPr>
+          </p:nvSpPr>
+          <p:spPr>
+            <a:xfrm>
+              <a:off x="0" y="0"/>
+              <a:ext cx="19200" cy="1000"/>
+            </a:xfrm>
+            <a:prstGeom prst="rect">
+              <a:avLst/>
+            </a:prstGeom>
+            <a:solidFill>
+              <a:srgbClr val="F6F7F8"/>
+            </a:solidFill>
+            <a:ln w="9525" cap="flat" cmpd="sng" algn="ctr">
+              <a:noFill/>
+              <a:prstDash val="solid"/>
+              <a:round/>
+              <a:headEnd type="none" w="med" len="med"/>
+              <a:tailEnd type="none" w="med" len="med"/>
+            </a:ln>
+            <a:extLst>
+              <a:ext uri="{91240B29-F687-4F45-9708-019B960494DF}">
+                <a14:hiddenLine xmlns:a14="http://schemas.microsoft.com/office/drawing/2010/main" w="9525">
+                  <a:solidFill>
+                    <a:schemeClr val="tx1"/>
+                  </a:solidFill>
+                  <a:prstDash val="solid"/>
+                  <a:round/>
+                  <a:headEnd type="none" w="med" len="med"/>
+                  <a:tailEnd type="none" w="med" len="med"/>
+                </a14:hiddenLine>
+              </a:ext>
+            </a:extLst>
+          </p:spPr>
+          <p:txBody>
+            <a:bodyPr vert="horz" wrap="square" lIns="91440" tIns="45720" rIns="91440" bIns="45720" numCol="1" anchor="t" anchorCtr="0" compatLnSpc="1"/>
+            <a:p>
+              <a:pPr marL="0" marR="0" indent="0" algn="l" defTabSz="914400" rtl="0" eaLnBrk="0" fontAlgn="base" latinLnBrk="0" hangingPunct="0">
+                <a:lnSpc>
+                  <a:spcPct val="100000"/>
+                </a:lnSpc>
+                <a:spcBef>
+                  <a:spcPct val="0"/>
+                </a:spcBef>
+                <a:spcAft>
+                  <a:spcPct val="0"/>
+                </a:spcAft>
+                <a:buClrTx/>
+                <a:buSzTx/>
+                <a:buFontTx/>
+                <a:buNone/>
+              </a:pPr>
+              <a:endParaRPr kumimoji="0" lang="zh-CN" altLang="en-US" sz="3200" b="0" i="0" u="none" strike="noStrike" cap="none" normalizeH="0" baseline="0" smtClean="0">
+                <a:ln>
+                  <a:noFill/>
+                </a:ln>
+                <a:solidFill>
+                  <a:schemeClr val="tx1"/>
+                </a:solidFill>
+                <a:effectLst/>
+                <a:latin typeface="Arial" panose="020B0604020202020204" pitchFamily="34" charset="0"/>
+              </a:endParaRPr>
+            </a:p>
+          </p:txBody>
+        </p:sp>
+        <p:sp>
+          <p:nvSpPr>
+            <p:cNvPr id="16" name="ColorBlock"/>
+            <p:cNvSpPr/>
+            <p:nvPr>
+              <p:custDataLst>
+                <p:tags r:id="rId10"/>
+              </p:custDataLst>
+            </p:nvPr>
+          </p:nvSpPr>
+          <p:spPr>
+            <a:xfrm>
+              <a:off x="0" y="0"/>
+              <a:ext cx="300" cy="1000"/>
+            </a:xfrm>
+            <a:prstGeom prst="rect">
+              <a:avLst/>
+            </a:prstGeom>
+            <a:solidFill>
+              <a:srgbClr val="639EF4"/>
+            </a:solidFill>
+            <a:ln w="9525" cap="flat" cmpd="sng" algn="ctr">
+              <a:noFill/>
+              <a:prstDash val="solid"/>
+              <a:round/>
+              <a:headEnd type="none" w="med" len="med"/>
+              <a:tailEnd type="none" w="med" len="med"/>
+            </a:ln>
+            <a:extLst>
+              <a:ext uri="{91240B29-F687-4F45-9708-019B960494DF}">
+                <a14:hiddenLine xmlns:a14="http://schemas.microsoft.com/office/drawing/2010/main" w="9525">
+                  <a:solidFill>
+                    <a:schemeClr val="tx1"/>
+                  </a:solidFill>
+                  <a:prstDash val="solid"/>
+                  <a:round/>
+                  <a:headEnd type="none" w="med" len="med"/>
+                  <a:tailEnd type="none" w="med" len="med"/>
+                </a14:hiddenLine>
+              </a:ext>
+            </a:extLst>
+          </p:spPr>
+          <p:txBody>
+            <a:bodyPr vert="horz" wrap="square" lIns="91440" tIns="45720" rIns="91440" bIns="45720" numCol="1" anchor="t" anchorCtr="0" compatLnSpc="1"/>
+            <a:p>
+              <a:pPr marL="0" marR="0" indent="0" algn="l" defTabSz="914400" rtl="0" eaLnBrk="0" fontAlgn="base" latinLnBrk="0" hangingPunct="0">
+                <a:lnSpc>
+                  <a:spcPct val="100000"/>
+                </a:lnSpc>
+                <a:spcBef>
+                  <a:spcPct val="0"/>
+                </a:spcBef>
+                <a:spcAft>
+                  <a:spcPct val="0"/>
+                </a:spcAft>
+                <a:buClrTx/>
+                <a:buSzTx/>
+                <a:buFontTx/>
+                <a:buNone/>
+              </a:pPr>
+              <a:endParaRPr kumimoji="0" lang="zh-CN" altLang="en-US" sz="3200" b="0" i="0" u="none" strike="noStrike" cap="none" normalizeH="0" baseline="0" smtClean="0">
+                <a:ln>
+                  <a:noFill/>
+                </a:ln>
+                <a:solidFill>
+                  <a:schemeClr val="tx1"/>
+                </a:solidFill>
+                <a:effectLst/>
+                <a:latin typeface="Arial" panose="020B0604020202020204" pitchFamily="34" charset="0"/>
+              </a:endParaRPr>
+            </a:p>
+          </p:txBody>
+        </p:sp>
+        <p:sp>
+          <p:nvSpPr>
+            <p:cNvPr id="17" name="TypeText"/>
+            <p:cNvSpPr txBox="1"/>
+            <p:nvPr>
+              <p:custDataLst>
+                <p:tags r:id="rId11"/>
+              </p:custDataLst>
+            </p:nvPr>
+          </p:nvSpPr>
+          <p:spPr>
+            <a:xfrm>
+              <a:off x="400" y="0"/>
+              <a:ext cx="3000" cy="1000"/>
+            </a:xfrm>
+            <a:prstGeom prst="rect">
+              <a:avLst/>
+            </a:prstGeom>
+            <a:noFill/>
+          </p:spPr>
+          <p:txBody>
+            <a:bodyPr wrap="none" rtlCol="0" anchor="ctr" anchorCtr="0">
+              <a:noAutofit/>
+            </a:bodyPr>
+            <a:p>
+              <a:pPr lvl="0" algn="l">
+                <a:buNone/>
+              </a:pPr>
+              <a:r>
+                <a:rPr lang="zh-CN" altLang="en-US" sz="2600">
+                  <a:solidFill>
+                    <a:srgbClr val="000000"/>
+                  </a:solidFill>
+                  <a:latin typeface="微软雅黑" panose="020B0503020204020204" pitchFamily="34" charset="-122"/>
+                  <a:ea typeface="微软雅黑" panose="020B0503020204020204" pitchFamily="34" charset="-122"/>
+                </a:rPr>
+                <a:t>单选题</a:t>
+              </a:r>
+              <a:endParaRPr lang="zh-CN" altLang="en-US" sz="2600">
+                <a:solidFill>
+                  <a:srgbClr val="000000"/>
+                </a:solidFill>
+                <a:latin typeface="微软雅黑" panose="020B0503020204020204" pitchFamily="34" charset="-122"/>
+                <a:ea typeface="微软雅黑" panose="020B0503020204020204" pitchFamily="34" charset="-122"/>
+              </a:endParaRPr>
+            </a:p>
+          </p:txBody>
+        </p:sp>
+      </p:grpSp>
+      <p:sp>
+        <p:nvSpPr>
+          <p:cNvPr id="2" name="椭圆 1"/>
+          <p:cNvSpPr>
+            <a:spLocks noChangeAspect="1"/>
+          </p:cNvSpPr>
+          <p:nvPr>
+            <p:custDataLst>
+              <p:tags r:id="rId12"/>
+            </p:custDataLst>
+          </p:nvPr>
+        </p:nvSpPr>
+        <p:spPr>
+          <a:xfrm>
+            <a:off x="1571625" y="4281170"/>
+            <a:ext cx="514350" cy="514350"/>
+          </a:xfrm>
+          <a:prstGeom prst="ellipse">
+            <a:avLst/>
+          </a:prstGeom>
+          <a:solidFill>
+            <a:srgbClr val="808080"/>
+          </a:solidFill>
+          <a:ln w="12700" cap="flat" cmpd="sng" algn="ctr">
+            <a:solidFill>
+              <a:srgbClr val="000000"/>
+            </a:solidFill>
+            <a:prstDash val="solid"/>
+            <a:round/>
+            <a:headEnd type="none" w="med" len="med"/>
+            <a:tailEnd type="none" w="med" len="med"/>
+          </a:ln>
+        </p:spPr>
+        <p:txBody>
+          <a:bodyPr vert="horz" wrap="square" lIns="91440" tIns="45720" rIns="91440" bIns="45720" numCol="1" anchor="ctr" anchorCtr="1" compatLnSpc="1">
+            <a:noAutofit/>
+          </a:bodyPr>
+          <a:p>
+            <a:pPr marL="0" marR="0" indent="0" algn="l" defTabSz="914400" rtl="0" eaLnBrk="0" fontAlgn="base" latinLnBrk="0" hangingPunct="0">
+              <a:lnSpc>
+                <a:spcPct val="100000"/>
+              </a:lnSpc>
+              <a:spcBef>
+                <a:spcPct val="0"/>
+              </a:spcBef>
+              <a:spcAft>
+                <a:spcPct val="0"/>
+              </a:spcAft>
+              <a:buClrTx/>
+              <a:buSzTx/>
+              <a:buFontTx/>
+              <a:buNone/>
+            </a:pPr>
+            <a:r>
+              <a:rPr kumimoji="0" lang="en-US" altLang="zh-CN" sz="1600" b="0" i="0" u="none" strike="noStrike" cap="none" normalizeH="0" baseline="0" smtClean="0">
+                <a:ln>
+                  <a:noFill/>
+                </a:ln>
+                <a:solidFill>
+                  <a:srgbClr val="FFFFFF"/>
+                </a:solidFill>
+                <a:effectLst/>
+                <a:latin typeface="微软雅黑" panose="020B0503020204020204" pitchFamily="34" charset="-122"/>
+                <a:ea typeface="微软雅黑" panose="020B0503020204020204" pitchFamily="34" charset="-122"/>
+              </a:rPr>
+              <a:t>B</a:t>
+            </a:r>
+            <a:endParaRPr kumimoji="0" lang="zh-CN" altLang="en-US" sz="1600" b="0" i="0" u="none" strike="noStrike" cap="none" normalizeH="0" baseline="0" smtClean="0">
+              <a:ln>
+                <a:noFill/>
+              </a:ln>
+              <a:solidFill>
+                <a:srgbClr val="FFFFFF"/>
+              </a:solidFill>
+              <a:effectLst/>
+              <a:latin typeface="微软雅黑" panose="020B0503020204020204" pitchFamily="34" charset="-122"/>
+              <a:ea typeface="微软雅黑" panose="020B0503020204020204" pitchFamily="34" charset="-122"/>
+            </a:endParaRPr>
+          </a:p>
+        </p:txBody>
+      </p:sp>
+    </p:spTree>
+    <p:custDataLst>
+      <p:tags r:id="rId13"/>
+    </p:custDataLst>
+  </p:cSld>
+  <p:clrMapOvr>
+    <a:masterClrMapping/>
+  </p:clrMapOvr>
+  <p:transition/>
+</p:sld>
+</file>
+
+<file path=ppt/slides/slide23.xml><?xml version="1.0" encoding="utf-8"?>
+<p:sld xmlns:a="http://schemas.openxmlformats.org/drawingml/2006/main" xmlns:r="http://schemas.openxmlformats.org/officeDocument/2006/relationships" xmlns:p="http://schemas.openxmlformats.org/presentationml/2006/main">
+  <p:cSld>
+    <p:spTree>
+      <p:nvGrpSpPr>
+        <p:cNvPr id="1" name=""/>
+        <p:cNvGrpSpPr/>
+        <p:nvPr/>
+      </p:nvGrpSpPr>
+      <p:grpSpPr/>
+      <p:sp>
+        <p:nvSpPr>
+          <p:cNvPr id="3" name="内容占位符 2"/>
+          <p:cNvSpPr>
+            <a:spLocks noGrp="1"/>
+          </p:cNvSpPr>
+          <p:nvPr>
+            <p:ph sz="quarter" idx="11"/>
+          </p:nvPr>
+        </p:nvSpPr>
+        <p:spPr/>
+        <p:txBody>
+          <a:bodyPr/>
+          <a:p>
+            <a:r>
+              <a:rPr lang="zh-CN" altLang="en-US"/>
+              <a:t>练习</a:t>
+            </a:r>
+            <a:endParaRPr lang="zh-CN" altLang="en-US"/>
+          </a:p>
+        </p:txBody>
+      </p:sp>
+      <p:pic>
+        <p:nvPicPr>
+          <p:cNvPr id="4" name="图片 3"/>
+          <p:cNvPicPr>
+            <a:picLocks noChangeAspect="1"/>
+          </p:cNvPicPr>
+          <p:nvPr/>
+        </p:nvPicPr>
+        <p:blipFill>
+          <a:blip r:embed="rId1"/>
+          <a:stretch>
+            <a:fillRect/>
+          </a:stretch>
+        </p:blipFill>
+        <p:spPr>
+          <a:xfrm>
+            <a:off x="1297305" y="1282065"/>
+            <a:ext cx="5044440" cy="4457700"/>
+          </a:xfrm>
+          <a:prstGeom prst="rect">
+            <a:avLst/>
+          </a:prstGeom>
+          <a:ln w="12700" cmpd="sng">
+            <a:solidFill>
+              <a:schemeClr val="accent1">
+                <a:shade val="50000"/>
+              </a:schemeClr>
+            </a:solidFill>
+            <a:prstDash val="solid"/>
+          </a:ln>
+        </p:spPr>
+      </p:pic>
+      <p:sp>
+        <p:nvSpPr>
+          <p:cNvPr id="32" name="文本框 31"/>
+          <p:cNvSpPr txBox="1"/>
+          <p:nvPr>
+            <p:custDataLst>
+              <p:tags r:id="rId2"/>
+            </p:custDataLst>
+          </p:nvPr>
+        </p:nvSpPr>
+        <p:spPr>
+          <a:xfrm>
+            <a:off x="6664960" y="2532380"/>
+            <a:ext cx="3784600" cy="2143125"/>
+          </a:xfrm>
+          <a:prstGeom prst="rect">
+            <a:avLst/>
+          </a:prstGeom>
+          <a:noFill/>
+        </p:spPr>
+        <p:txBody>
+          <a:bodyPr wrap="square" rtlCol="0" anchor="ctr" anchorCtr="0">
+            <a:noAutofit/>
+          </a:bodyPr>
+          <a:p>
+            <a:pPr lvl="0" algn="l" fontAlgn="auto">
+              <a:lnSpc>
+                <a:spcPct val="120000"/>
+              </a:lnSpc>
+              <a:buNone/>
+            </a:pPr>
+            <a:r>
+              <a:rPr lang="zh-CN" altLang="en-US" sz="2600">
+                <a:solidFill>
+                  <a:srgbClr val="000000"/>
+                </a:solidFill>
+                <a:latin typeface="微软雅黑" panose="020B0503020204020204" pitchFamily="34" charset="-122"/>
+                <a:ea typeface="微软雅黑" panose="020B0503020204020204" pitchFamily="34" charset="-122"/>
+              </a:rPr>
+              <a:t>分析变量的存储情况，并回答控制台输出结果。</a:t>
+            </a:r>
+            <a:endParaRPr lang="zh-CN" altLang="en-US" sz="2600">
+              <a:solidFill>
+                <a:srgbClr val="000000"/>
+              </a:solidFill>
+              <a:latin typeface="微软雅黑" panose="020B0503020204020204" pitchFamily="34" charset="-122"/>
+              <a:ea typeface="微软雅黑" panose="020B0503020204020204" pitchFamily="34" charset="-122"/>
+            </a:endParaRPr>
+          </a:p>
+        </p:txBody>
+      </p:sp>
+      <p:sp>
+        <p:nvSpPr>
+          <p:cNvPr id="6" name="文本框 5"/>
+          <p:cNvSpPr txBox="1"/>
+          <p:nvPr/>
+        </p:nvSpPr>
+        <p:spPr>
+          <a:xfrm>
+            <a:off x="10791825" y="6052820"/>
+            <a:ext cx="1103630" cy="460375"/>
+          </a:xfrm>
+          <a:prstGeom prst="rect">
+            <a:avLst/>
+          </a:prstGeom>
+          <a:noFill/>
+        </p:spPr>
+        <p:txBody>
+          <a:bodyPr wrap="none" rtlCol="0" anchor="t">
+            <a:spAutoFit/>
+          </a:bodyPr>
+          <a:p>
+            <a:r>
+              <a:rPr lang="en-US" altLang="zh-CN" sz="2400">
+                <a:latin typeface="微软雅黑" panose="020B0503020204020204" pitchFamily="34" charset="-122"/>
+                <a:ea typeface="微软雅黑" panose="020B0503020204020204" pitchFamily="34" charset="-122"/>
+                <a:sym typeface="+mn-ea"/>
+              </a:rPr>
+              <a:t>4.html</a:t>
+            </a:r>
+            <a:endParaRPr lang="en-US" altLang="zh-CN" sz="2400">
+              <a:latin typeface="微软雅黑" panose="020B0503020204020204" pitchFamily="34" charset="-122"/>
+              <a:ea typeface="微软雅黑" panose="020B0503020204020204" pitchFamily="34" charset="-122"/>
+            </a:endParaRPr>
+          </a:p>
+        </p:txBody>
+      </p:sp>
+    </p:spTree>
+  </p:cSld>
+  <p:clrMapOvr>
+    <a:masterClrMapping/>
+  </p:clrMapOvr>
+  <p:transition/>
+</p:sld>
+</file>
+
+<file path=ppt/slides/slide24.xml><?xml version="1.0" encoding="utf-8"?>
+<p:sld xmlns:a="http://schemas.openxmlformats.org/drawingml/2006/main" xmlns:r="http://schemas.openxmlformats.org/officeDocument/2006/relationships" xmlns:p="http://schemas.openxmlformats.org/presentationml/2006/main">
+  <p:cSld>
+    <p:spTree>
+      <p:nvGrpSpPr>
+        <p:cNvPr id="1" name=""/>
+        <p:cNvGrpSpPr/>
+        <p:nvPr/>
+      </p:nvGrpSpPr>
+      <p:grpSpPr/>
+      <p:sp>
+        <p:nvSpPr>
           <p:cNvPr id="2" name="内容占位符 1"/>
           <p:cNvSpPr>
             <a:spLocks noGrp="1"/>
@@ -12156,7 +13075,7 @@
 </p:sld>
 </file>
 
-<file path=ppt/slides/slide23.xml><?xml version="1.0" encoding="utf-8"?>
+<file path=ppt/slides/slide25.xml><?xml version="1.0" encoding="utf-8"?>
 <p:sld xmlns:a="http://schemas.openxmlformats.org/drawingml/2006/main" xmlns:r="http://schemas.openxmlformats.org/officeDocument/2006/relationships" xmlns:p="http://schemas.openxmlformats.org/presentationml/2006/main">
   <p:cSld>
     <p:spTree>
@@ -12471,924 +13390,6 @@
           </a:graphicData>
         </a:graphic>
       </p:graphicFrame>
-    </p:spTree>
-  </p:cSld>
-  <p:clrMapOvr>
-    <a:masterClrMapping/>
-  </p:clrMapOvr>
-  <p:transition/>
-</p:sld>
-</file>
-
-<file path=ppt/slides/slide24.xml><?xml version="1.0" encoding="utf-8"?>
-<p:sld xmlns:a="http://schemas.openxmlformats.org/drawingml/2006/main" xmlns:r="http://schemas.openxmlformats.org/officeDocument/2006/relationships" xmlns:p="http://schemas.openxmlformats.org/presentationml/2006/main">
-  <p:cSld>
-    <p:spTree>
-      <p:nvGrpSpPr>
-        <p:cNvPr id="1" name=""/>
-        <p:cNvGrpSpPr/>
-        <p:nvPr/>
-      </p:nvGrpSpPr>
-      <p:grpSpPr/>
-      <p:sp>
-        <p:nvSpPr>
-          <p:cNvPr id="21" name="矩形 20"/>
-          <p:cNvSpPr/>
-          <p:nvPr/>
-        </p:nvSpPr>
-        <p:spPr>
-          <a:xfrm>
-            <a:off x="-24130" y="0"/>
-            <a:ext cx="12216130" cy="6885305"/>
-          </a:xfrm>
-          <a:prstGeom prst="rect">
-            <a:avLst/>
-          </a:prstGeom>
-          <a:solidFill>
-            <a:schemeClr val="bg1"/>
-          </a:solidFill>
-          <a:ln w="9525" cap="flat" cmpd="sng" algn="ctr">
-            <a:noFill/>
-            <a:prstDash val="solid"/>
-            <a:round/>
-            <a:headEnd type="none" w="med" len="med"/>
-            <a:tailEnd type="none" w="med" len="med"/>
-          </a:ln>
-        </p:spPr>
-        <p:txBody>
-          <a:bodyPr vert="horz" wrap="square" lIns="91440" tIns="45720" rIns="91440" bIns="45720" numCol="1" anchor="t" anchorCtr="0" compatLnSpc="1"/>
-          <a:p>
-            <a:pPr marL="0" marR="0" indent="0" algn="l" defTabSz="914400" rtl="0" eaLnBrk="0" fontAlgn="base" latinLnBrk="0" hangingPunct="0">
-              <a:lnSpc>
-                <a:spcPct val="100000"/>
-              </a:lnSpc>
-              <a:spcBef>
-                <a:spcPct val="0"/>
-              </a:spcBef>
-              <a:spcAft>
-                <a:spcPct val="0"/>
-              </a:spcAft>
-              <a:buClrTx/>
-              <a:buSzTx/>
-              <a:buFontTx/>
-              <a:buNone/>
-            </a:pPr>
-            <a:endParaRPr kumimoji="0" lang="zh-CN" altLang="en-US" sz="3200" b="0" i="0" u="none" strike="noStrike" cap="none" normalizeH="0" baseline="0" smtClean="0">
-              <a:ln>
-                <a:noFill/>
-              </a:ln>
-              <a:solidFill>
-                <a:schemeClr val="tx1"/>
-              </a:solidFill>
-              <a:effectLst/>
-              <a:latin typeface="Arial" panose="020B0604020202020204" pitchFamily="34" charset="0"/>
-            </a:endParaRPr>
-          </a:p>
-        </p:txBody>
-      </p:sp>
-      <p:sp>
-        <p:nvSpPr>
-          <p:cNvPr id="5" name="文本框 4"/>
-          <p:cNvSpPr txBox="1"/>
-          <p:nvPr>
-            <p:custDataLst>
-              <p:tags r:id="rId1"/>
-            </p:custDataLst>
-          </p:nvPr>
-        </p:nvSpPr>
-        <p:spPr>
-          <a:xfrm>
-            <a:off x="6683375" y="1127760"/>
-            <a:ext cx="3542030" cy="2143125"/>
-          </a:xfrm>
-          <a:prstGeom prst="rect">
-            <a:avLst/>
-          </a:prstGeom>
-          <a:noFill/>
-        </p:spPr>
-        <p:txBody>
-          <a:bodyPr wrap="square" rtlCol="0" anchor="ctr" anchorCtr="0">
-            <a:noAutofit/>
-          </a:bodyPr>
-          <a:p>
-            <a:pPr lvl="0" algn="l">
-              <a:buNone/>
-            </a:pPr>
-            <a:r>
-              <a:rPr lang="zh-CN" altLang="en-US" sz="2600">
-                <a:solidFill>
-                  <a:srgbClr val="000000"/>
-                </a:solidFill>
-                <a:latin typeface="微软雅黑" panose="020B0503020204020204" pitchFamily="34" charset="-122"/>
-                <a:ea typeface="微软雅黑" panose="020B0503020204020204" pitchFamily="34" charset="-122"/>
-              </a:rPr>
-              <a:t>分析代码，在控制台输出结果为（）。</a:t>
-            </a:r>
-            <a:endParaRPr lang="zh-CN" altLang="en-US" sz="2600">
-              <a:solidFill>
-                <a:srgbClr val="000000"/>
-              </a:solidFill>
-              <a:latin typeface="微软雅黑" panose="020B0503020204020204" pitchFamily="34" charset="-122"/>
-              <a:ea typeface="微软雅黑" panose="020B0503020204020204" pitchFamily="34" charset="-122"/>
-            </a:endParaRPr>
-          </a:p>
-        </p:txBody>
-      </p:sp>
-      <p:sp>
-        <p:nvSpPr>
-          <p:cNvPr id="6" name="文本框 5"/>
-          <p:cNvSpPr txBox="1"/>
-          <p:nvPr>
-            <p:custDataLst>
-              <p:tags r:id="rId2"/>
-            </p:custDataLst>
-          </p:nvPr>
-        </p:nvSpPr>
-        <p:spPr>
-          <a:xfrm>
-            <a:off x="2438400" y="3359785"/>
-            <a:ext cx="8534400" cy="642620"/>
-          </a:xfrm>
-          <a:prstGeom prst="rect">
-            <a:avLst/>
-          </a:prstGeom>
-          <a:noFill/>
-        </p:spPr>
-        <p:txBody>
-          <a:bodyPr wrap="square" rtlCol="0" anchor="ctr" anchorCtr="0">
-            <a:noAutofit/>
-          </a:bodyPr>
-          <a:p>
-            <a:pPr lvl="0" algn="l">
-              <a:buNone/>
-            </a:pPr>
-            <a:r>
-              <a:rPr lang="en-US" altLang="zh-CN" sz="2600">
-                <a:solidFill>
-                  <a:srgbClr val="000000"/>
-                </a:solidFill>
-                <a:latin typeface="微软雅黑" panose="020B0503020204020204" pitchFamily="34" charset="-122"/>
-                <a:ea typeface="微软雅黑" panose="020B0503020204020204" pitchFamily="34" charset="-122"/>
-              </a:rPr>
-              <a:t>[1, 2, 3, 4]</a:t>
-            </a:r>
-            <a:endParaRPr lang="en-US" altLang="zh-CN" sz="2600">
-              <a:solidFill>
-                <a:srgbClr val="000000"/>
-              </a:solidFill>
-              <a:latin typeface="微软雅黑" panose="020B0503020204020204" pitchFamily="34" charset="-122"/>
-              <a:ea typeface="微软雅黑" panose="020B0503020204020204" pitchFamily="34" charset="-122"/>
-            </a:endParaRPr>
-          </a:p>
-        </p:txBody>
-      </p:sp>
-      <p:sp>
-        <p:nvSpPr>
-          <p:cNvPr id="7" name="文本框 6"/>
-          <p:cNvSpPr txBox="1"/>
-          <p:nvPr>
-            <p:custDataLst>
-              <p:tags r:id="rId3"/>
-            </p:custDataLst>
-          </p:nvPr>
-        </p:nvSpPr>
-        <p:spPr>
-          <a:xfrm>
-            <a:off x="2438400" y="4217035"/>
-            <a:ext cx="8534400" cy="642620"/>
-          </a:xfrm>
-          <a:prstGeom prst="rect">
-            <a:avLst/>
-          </a:prstGeom>
-          <a:noFill/>
-        </p:spPr>
-        <p:txBody>
-          <a:bodyPr wrap="square" rtlCol="0" anchor="ctr" anchorCtr="0">
-            <a:noAutofit/>
-          </a:bodyPr>
-          <a:p>
-            <a:pPr lvl="0" algn="l">
-              <a:buNone/>
-            </a:pPr>
-            <a:r>
-              <a:rPr lang="zh-CN" altLang="en-US" sz="2600">
-                <a:solidFill>
-                  <a:srgbClr val="000000"/>
-                </a:solidFill>
-                <a:latin typeface="微软雅黑" panose="020B0503020204020204" pitchFamily="34" charset="-122"/>
-                <a:ea typeface="微软雅黑" panose="020B0503020204020204" pitchFamily="34" charset="-122"/>
-              </a:rPr>
-              <a:t>[ 2, 3, 4]</a:t>
-            </a:r>
-            <a:endParaRPr lang="zh-CN" altLang="en-US" sz="2600">
-              <a:solidFill>
-                <a:srgbClr val="000000"/>
-              </a:solidFill>
-              <a:latin typeface="微软雅黑" panose="020B0503020204020204" pitchFamily="34" charset="-122"/>
-              <a:ea typeface="微软雅黑" panose="020B0503020204020204" pitchFamily="34" charset="-122"/>
-            </a:endParaRPr>
-          </a:p>
-        </p:txBody>
-      </p:sp>
-      <p:sp>
-        <p:nvSpPr>
-          <p:cNvPr id="8" name="文本框 7"/>
-          <p:cNvSpPr txBox="1"/>
-          <p:nvPr>
-            <p:custDataLst>
-              <p:tags r:id="rId4"/>
-            </p:custDataLst>
-          </p:nvPr>
-        </p:nvSpPr>
-        <p:spPr>
-          <a:xfrm>
-            <a:off x="2438400" y="5074285"/>
-            <a:ext cx="8534400" cy="642620"/>
-          </a:xfrm>
-          <a:prstGeom prst="rect">
-            <a:avLst/>
-          </a:prstGeom>
-          <a:noFill/>
-        </p:spPr>
-        <p:txBody>
-          <a:bodyPr wrap="square" rtlCol="0" anchor="ctr" anchorCtr="0">
-            <a:noAutofit/>
-          </a:bodyPr>
-          <a:p>
-            <a:pPr lvl="0" algn="l">
-              <a:buNone/>
-            </a:pPr>
-            <a:r>
-              <a:rPr lang="zh-CN" altLang="en-US" sz="2600">
-                <a:solidFill>
-                  <a:srgbClr val="000000"/>
-                </a:solidFill>
-                <a:latin typeface="微软雅黑" panose="020B0503020204020204" pitchFamily="34" charset="-122"/>
-                <a:ea typeface="微软雅黑" panose="020B0503020204020204" pitchFamily="34" charset="-122"/>
-              </a:rPr>
-              <a:t>[ 2, 3, 4]</a:t>
-            </a:r>
-            <a:endParaRPr lang="zh-CN" altLang="en-US" sz="2600">
-              <a:solidFill>
-                <a:srgbClr val="000000"/>
-              </a:solidFill>
-              <a:latin typeface="微软雅黑" panose="020B0503020204020204" pitchFamily="34" charset="-122"/>
-              <a:ea typeface="微软雅黑" panose="020B0503020204020204" pitchFamily="34" charset="-122"/>
-            </a:endParaRPr>
-          </a:p>
-        </p:txBody>
-      </p:sp>
-      <p:sp>
-        <p:nvSpPr>
-          <p:cNvPr id="10" name="椭圆 9"/>
-          <p:cNvSpPr>
-            <a:spLocks noChangeAspect="1"/>
-          </p:cNvSpPr>
-          <p:nvPr>
-            <p:custDataLst>
-              <p:tags r:id="rId5"/>
-            </p:custDataLst>
-          </p:nvPr>
-        </p:nvSpPr>
-        <p:spPr>
-          <a:xfrm>
-            <a:off x="1571625" y="3423920"/>
-            <a:ext cx="514350" cy="514350"/>
-          </a:xfrm>
-          <a:prstGeom prst="ellipse">
-            <a:avLst/>
-          </a:prstGeom>
-          <a:solidFill>
-            <a:srgbClr val="808080"/>
-          </a:solidFill>
-          <a:ln w="12700" cap="flat" cmpd="sng" algn="ctr">
-            <a:solidFill>
-              <a:srgbClr val="000000"/>
-            </a:solidFill>
-            <a:prstDash val="solid"/>
-            <a:round/>
-            <a:headEnd type="none" w="med" len="med"/>
-            <a:tailEnd type="none" w="med" len="med"/>
-          </a:ln>
-        </p:spPr>
-        <p:txBody>
-          <a:bodyPr vert="horz" wrap="square" lIns="91440" tIns="45720" rIns="91440" bIns="45720" numCol="1" anchor="ctr" anchorCtr="1" compatLnSpc="1">
-            <a:noAutofit/>
-          </a:bodyPr>
-          <a:p>
-            <a:pPr marL="0" marR="0" indent="0" algn="l" defTabSz="914400" rtl="0" eaLnBrk="0" fontAlgn="base" latinLnBrk="0" hangingPunct="0">
-              <a:lnSpc>
-                <a:spcPct val="100000"/>
-              </a:lnSpc>
-              <a:spcBef>
-                <a:spcPct val="0"/>
-              </a:spcBef>
-              <a:spcAft>
-                <a:spcPct val="0"/>
-              </a:spcAft>
-              <a:buClrTx/>
-              <a:buSzTx/>
-              <a:buFontTx/>
-              <a:buNone/>
-            </a:pPr>
-            <a:r>
-              <a:rPr kumimoji="0" lang="zh-CN" altLang="en-US" sz="1600" b="0" i="0" u="none" strike="noStrike" cap="none" normalizeH="0" baseline="0" smtClean="0">
-                <a:ln>
-                  <a:noFill/>
-                </a:ln>
-                <a:solidFill>
-                  <a:srgbClr val="FFFFFF"/>
-                </a:solidFill>
-                <a:effectLst/>
-                <a:latin typeface="微软雅黑" panose="020B0503020204020204" pitchFamily="34" charset="-122"/>
-                <a:ea typeface="微软雅黑" panose="020B0503020204020204" pitchFamily="34" charset="-122"/>
-              </a:rPr>
-              <a:t>A</a:t>
-            </a:r>
-            <a:endParaRPr kumimoji="0" lang="zh-CN" altLang="en-US" sz="1600" b="0" i="0" u="none" strike="noStrike" cap="none" normalizeH="0" baseline="0" smtClean="0">
-              <a:ln>
-                <a:noFill/>
-              </a:ln>
-              <a:solidFill>
-                <a:srgbClr val="FFFFFF"/>
-              </a:solidFill>
-              <a:effectLst/>
-              <a:latin typeface="微软雅黑" panose="020B0503020204020204" pitchFamily="34" charset="-122"/>
-              <a:ea typeface="微软雅黑" panose="020B0503020204020204" pitchFamily="34" charset="-122"/>
-            </a:endParaRPr>
-          </a:p>
-        </p:txBody>
-      </p:sp>
-      <p:sp>
-        <p:nvSpPr>
-          <p:cNvPr id="12" name="椭圆 11"/>
-          <p:cNvSpPr>
-            <a:spLocks noChangeAspect="1"/>
-          </p:cNvSpPr>
-          <p:nvPr>
-            <p:custDataLst>
-              <p:tags r:id="rId6"/>
-            </p:custDataLst>
-          </p:nvPr>
-        </p:nvSpPr>
-        <p:spPr>
-          <a:xfrm>
-            <a:off x="1571625" y="5138420"/>
-            <a:ext cx="514350" cy="514350"/>
-          </a:xfrm>
-          <a:prstGeom prst="ellipse">
-            <a:avLst/>
-          </a:prstGeom>
-          <a:solidFill>
-            <a:srgbClr val="808080"/>
-          </a:solidFill>
-          <a:ln w="12700" cap="flat" cmpd="sng" algn="ctr">
-            <a:solidFill>
-              <a:srgbClr val="000000"/>
-            </a:solidFill>
-            <a:prstDash val="solid"/>
-            <a:round/>
-            <a:headEnd type="none" w="med" len="med"/>
-            <a:tailEnd type="none" w="med" len="med"/>
-          </a:ln>
-        </p:spPr>
-        <p:txBody>
-          <a:bodyPr vert="horz" wrap="square" lIns="91440" tIns="45720" rIns="91440" bIns="45720" numCol="1" anchor="ctr" anchorCtr="1" compatLnSpc="1">
-            <a:noAutofit/>
-          </a:bodyPr>
-          <a:p>
-            <a:pPr marL="0" marR="0" indent="0" algn="l" defTabSz="914400" rtl="0" eaLnBrk="0" fontAlgn="base" latinLnBrk="0" hangingPunct="0">
-              <a:lnSpc>
-                <a:spcPct val="100000"/>
-              </a:lnSpc>
-              <a:spcBef>
-                <a:spcPct val="0"/>
-              </a:spcBef>
-              <a:spcAft>
-                <a:spcPct val="0"/>
-              </a:spcAft>
-              <a:buClrTx/>
-              <a:buSzTx/>
-              <a:buFontTx/>
-              <a:buNone/>
-            </a:pPr>
-            <a:r>
-              <a:rPr kumimoji="0" lang="zh-CN" altLang="en-US" sz="1600" b="0" i="0" u="none" strike="noStrike" cap="none" normalizeH="0" baseline="0" smtClean="0">
-                <a:ln>
-                  <a:noFill/>
-                </a:ln>
-                <a:solidFill>
-                  <a:srgbClr val="FFFFFF"/>
-                </a:solidFill>
-                <a:effectLst/>
-                <a:latin typeface="微软雅黑" panose="020B0503020204020204" pitchFamily="34" charset="-122"/>
-                <a:ea typeface="微软雅黑" panose="020B0503020204020204" pitchFamily="34" charset="-122"/>
-              </a:rPr>
-              <a:t>C</a:t>
-            </a:r>
-            <a:endParaRPr kumimoji="0" lang="zh-CN" altLang="en-US" sz="1600" b="0" i="0" u="none" strike="noStrike" cap="none" normalizeH="0" baseline="0" smtClean="0">
-              <a:ln>
-                <a:noFill/>
-              </a:ln>
-              <a:solidFill>
-                <a:srgbClr val="FFFFFF"/>
-              </a:solidFill>
-              <a:effectLst/>
-              <a:latin typeface="微软雅黑" panose="020B0503020204020204" pitchFamily="34" charset="-122"/>
-              <a:ea typeface="微软雅黑" panose="020B0503020204020204" pitchFamily="34" charset="-122"/>
-            </a:endParaRPr>
-          </a:p>
-        </p:txBody>
-      </p:sp>
-      <p:pic>
-        <p:nvPicPr>
-          <p:cNvPr id="22" name="图片 21"/>
-          <p:cNvPicPr>
-            <a:picLocks noChangeAspect="1"/>
-          </p:cNvPicPr>
-          <p:nvPr/>
-        </p:nvPicPr>
-        <p:blipFill>
-          <a:blip r:embed="rId7"/>
-          <a:stretch>
-            <a:fillRect/>
-          </a:stretch>
-        </p:blipFill>
-        <p:spPr>
-          <a:xfrm>
-            <a:off x="1427480" y="1031875"/>
-            <a:ext cx="5047615" cy="2035175"/>
-          </a:xfrm>
-          <a:prstGeom prst="rect">
-            <a:avLst/>
-          </a:prstGeom>
-          <a:ln w="12700" cmpd="sng">
-            <a:solidFill>
-              <a:schemeClr val="accent1">
-                <a:shade val="50000"/>
-              </a:schemeClr>
-            </a:solidFill>
-            <a:prstDash val="solid"/>
-          </a:ln>
-        </p:spPr>
-      </p:pic>
-      <p:grpSp>
-        <p:nvGrpSpPr>
-          <p:cNvPr id="19" name="组合 18"/>
-          <p:cNvGrpSpPr/>
-          <p:nvPr>
-            <p:custDataLst>
-              <p:tags r:id="rId8"/>
-            </p:custDataLst>
-          </p:nvPr>
-        </p:nvGrpSpPr>
-        <p:grpSpPr>
-          <a:xfrm>
-            <a:off x="0" y="0"/>
-            <a:ext cx="12192000" cy="635000"/>
-            <a:chOff x="0" y="0"/>
-            <a:chExt cx="19200" cy="1000"/>
-          </a:xfrm>
-        </p:grpSpPr>
-        <p:sp>
-          <p:nvSpPr>
-            <p:cNvPr id="15" name="TitleBackground"/>
-            <p:cNvSpPr/>
-            <p:nvPr>
-              <p:custDataLst>
-                <p:tags r:id="rId9"/>
-              </p:custDataLst>
-            </p:nvPr>
-          </p:nvSpPr>
-          <p:spPr>
-            <a:xfrm>
-              <a:off x="0" y="0"/>
-              <a:ext cx="19200" cy="1000"/>
-            </a:xfrm>
-            <a:prstGeom prst="rect">
-              <a:avLst/>
-            </a:prstGeom>
-            <a:solidFill>
-              <a:srgbClr val="F6F7F8"/>
-            </a:solidFill>
-            <a:ln w="9525" cap="flat" cmpd="sng" algn="ctr">
-              <a:noFill/>
-              <a:prstDash val="solid"/>
-              <a:round/>
-              <a:headEnd type="none" w="med" len="med"/>
-              <a:tailEnd type="none" w="med" len="med"/>
-            </a:ln>
-            <a:extLst>
-              <a:ext uri="{91240B29-F687-4F45-9708-019B960494DF}">
-                <a14:hiddenLine xmlns:a14="http://schemas.microsoft.com/office/drawing/2010/main" w="9525">
-                  <a:solidFill>
-                    <a:schemeClr val="tx1"/>
-                  </a:solidFill>
-                  <a:prstDash val="solid"/>
-                  <a:round/>
-                  <a:headEnd type="none" w="med" len="med"/>
-                  <a:tailEnd type="none" w="med" len="med"/>
-                </a14:hiddenLine>
-              </a:ext>
-            </a:extLst>
-          </p:spPr>
-          <p:txBody>
-            <a:bodyPr vert="horz" wrap="square" lIns="91440" tIns="45720" rIns="91440" bIns="45720" numCol="1" anchor="t" anchorCtr="0" compatLnSpc="1"/>
-            <a:p>
-              <a:pPr marL="0" marR="0" indent="0" algn="l" defTabSz="914400" rtl="0" eaLnBrk="0" fontAlgn="base" latinLnBrk="0" hangingPunct="0">
-                <a:lnSpc>
-                  <a:spcPct val="100000"/>
-                </a:lnSpc>
-                <a:spcBef>
-                  <a:spcPct val="0"/>
-                </a:spcBef>
-                <a:spcAft>
-                  <a:spcPct val="0"/>
-                </a:spcAft>
-                <a:buClrTx/>
-                <a:buSzTx/>
-                <a:buFontTx/>
-                <a:buNone/>
-              </a:pPr>
-              <a:endParaRPr kumimoji="0" lang="zh-CN" altLang="en-US" sz="3200" b="0" i="0" u="none" strike="noStrike" cap="none" normalizeH="0" baseline="0" smtClean="0">
-                <a:ln>
-                  <a:noFill/>
-                </a:ln>
-                <a:solidFill>
-                  <a:schemeClr val="tx1"/>
-                </a:solidFill>
-                <a:effectLst/>
-                <a:latin typeface="Arial" panose="020B0604020202020204" pitchFamily="34" charset="0"/>
-              </a:endParaRPr>
-            </a:p>
-          </p:txBody>
-        </p:sp>
-        <p:sp>
-          <p:nvSpPr>
-            <p:cNvPr id="16" name="ColorBlock"/>
-            <p:cNvSpPr/>
-            <p:nvPr>
-              <p:custDataLst>
-                <p:tags r:id="rId10"/>
-              </p:custDataLst>
-            </p:nvPr>
-          </p:nvSpPr>
-          <p:spPr>
-            <a:xfrm>
-              <a:off x="0" y="0"/>
-              <a:ext cx="300" cy="1000"/>
-            </a:xfrm>
-            <a:prstGeom prst="rect">
-              <a:avLst/>
-            </a:prstGeom>
-            <a:solidFill>
-              <a:srgbClr val="639EF4"/>
-            </a:solidFill>
-            <a:ln w="9525" cap="flat" cmpd="sng" algn="ctr">
-              <a:noFill/>
-              <a:prstDash val="solid"/>
-              <a:round/>
-              <a:headEnd type="none" w="med" len="med"/>
-              <a:tailEnd type="none" w="med" len="med"/>
-            </a:ln>
-            <a:extLst>
-              <a:ext uri="{91240B29-F687-4F45-9708-019B960494DF}">
-                <a14:hiddenLine xmlns:a14="http://schemas.microsoft.com/office/drawing/2010/main" w="9525">
-                  <a:solidFill>
-                    <a:schemeClr val="tx1"/>
-                  </a:solidFill>
-                  <a:prstDash val="solid"/>
-                  <a:round/>
-                  <a:headEnd type="none" w="med" len="med"/>
-                  <a:tailEnd type="none" w="med" len="med"/>
-                </a14:hiddenLine>
-              </a:ext>
-            </a:extLst>
-          </p:spPr>
-          <p:txBody>
-            <a:bodyPr vert="horz" wrap="square" lIns="91440" tIns="45720" rIns="91440" bIns="45720" numCol="1" anchor="t" anchorCtr="0" compatLnSpc="1"/>
-            <a:p>
-              <a:pPr marL="0" marR="0" indent="0" algn="l" defTabSz="914400" rtl="0" eaLnBrk="0" fontAlgn="base" latinLnBrk="0" hangingPunct="0">
-                <a:lnSpc>
-                  <a:spcPct val="100000"/>
-                </a:lnSpc>
-                <a:spcBef>
-                  <a:spcPct val="0"/>
-                </a:spcBef>
-                <a:spcAft>
-                  <a:spcPct val="0"/>
-                </a:spcAft>
-                <a:buClrTx/>
-                <a:buSzTx/>
-                <a:buFontTx/>
-                <a:buNone/>
-              </a:pPr>
-              <a:endParaRPr kumimoji="0" lang="zh-CN" altLang="en-US" sz="3200" b="0" i="0" u="none" strike="noStrike" cap="none" normalizeH="0" baseline="0" smtClean="0">
-                <a:ln>
-                  <a:noFill/>
-                </a:ln>
-                <a:solidFill>
-                  <a:schemeClr val="tx1"/>
-                </a:solidFill>
-                <a:effectLst/>
-                <a:latin typeface="Arial" panose="020B0604020202020204" pitchFamily="34" charset="0"/>
-              </a:endParaRPr>
-            </a:p>
-          </p:txBody>
-        </p:sp>
-        <p:sp>
-          <p:nvSpPr>
-            <p:cNvPr id="17" name="TypeText"/>
-            <p:cNvSpPr txBox="1"/>
-            <p:nvPr>
-              <p:custDataLst>
-                <p:tags r:id="rId11"/>
-              </p:custDataLst>
-            </p:nvPr>
-          </p:nvSpPr>
-          <p:spPr>
-            <a:xfrm>
-              <a:off x="400" y="0"/>
-              <a:ext cx="3000" cy="1000"/>
-            </a:xfrm>
-            <a:prstGeom prst="rect">
-              <a:avLst/>
-            </a:prstGeom>
-            <a:noFill/>
-          </p:spPr>
-          <p:txBody>
-            <a:bodyPr wrap="none" rtlCol="0" anchor="ctr" anchorCtr="0">
-              <a:noAutofit/>
-            </a:bodyPr>
-            <a:p>
-              <a:pPr lvl="0" algn="l">
-                <a:buNone/>
-              </a:pPr>
-              <a:r>
-                <a:rPr lang="zh-CN" altLang="en-US" sz="2600">
-                  <a:solidFill>
-                    <a:srgbClr val="000000"/>
-                  </a:solidFill>
-                  <a:latin typeface="微软雅黑" panose="020B0503020204020204" pitchFamily="34" charset="-122"/>
-                  <a:ea typeface="微软雅黑" panose="020B0503020204020204" pitchFamily="34" charset="-122"/>
-                </a:rPr>
-                <a:t>单选题</a:t>
-              </a:r>
-              <a:endParaRPr lang="zh-CN" altLang="en-US" sz="2600">
-                <a:solidFill>
-                  <a:srgbClr val="000000"/>
-                </a:solidFill>
-                <a:latin typeface="微软雅黑" panose="020B0503020204020204" pitchFamily="34" charset="-122"/>
-                <a:ea typeface="微软雅黑" panose="020B0503020204020204" pitchFamily="34" charset="-122"/>
-              </a:endParaRPr>
-            </a:p>
-          </p:txBody>
-        </p:sp>
-      </p:grpSp>
-      <p:sp>
-        <p:nvSpPr>
-          <p:cNvPr id="2" name="椭圆 1"/>
-          <p:cNvSpPr>
-            <a:spLocks noChangeAspect="1"/>
-          </p:cNvSpPr>
-          <p:nvPr>
-            <p:custDataLst>
-              <p:tags r:id="rId12"/>
-            </p:custDataLst>
-          </p:nvPr>
-        </p:nvSpPr>
-        <p:spPr>
-          <a:xfrm>
-            <a:off x="1571625" y="4281170"/>
-            <a:ext cx="514350" cy="514350"/>
-          </a:xfrm>
-          <a:prstGeom prst="ellipse">
-            <a:avLst/>
-          </a:prstGeom>
-          <a:solidFill>
-            <a:srgbClr val="808080"/>
-          </a:solidFill>
-          <a:ln w="12700" cap="flat" cmpd="sng" algn="ctr">
-            <a:solidFill>
-              <a:srgbClr val="000000"/>
-            </a:solidFill>
-            <a:prstDash val="solid"/>
-            <a:round/>
-            <a:headEnd type="none" w="med" len="med"/>
-            <a:tailEnd type="none" w="med" len="med"/>
-          </a:ln>
-        </p:spPr>
-        <p:txBody>
-          <a:bodyPr vert="horz" wrap="square" lIns="91440" tIns="45720" rIns="91440" bIns="45720" numCol="1" anchor="ctr" anchorCtr="1" compatLnSpc="1">
-            <a:noAutofit/>
-          </a:bodyPr>
-          <a:p>
-            <a:pPr marL="0" marR="0" indent="0" algn="l" defTabSz="914400" rtl="0" eaLnBrk="0" fontAlgn="base" latinLnBrk="0" hangingPunct="0">
-              <a:lnSpc>
-                <a:spcPct val="100000"/>
-              </a:lnSpc>
-              <a:spcBef>
-                <a:spcPct val="0"/>
-              </a:spcBef>
-              <a:spcAft>
-                <a:spcPct val="0"/>
-              </a:spcAft>
-              <a:buClrTx/>
-              <a:buSzTx/>
-              <a:buFontTx/>
-              <a:buNone/>
-            </a:pPr>
-            <a:r>
-              <a:rPr kumimoji="0" lang="en-US" altLang="zh-CN" sz="1600" b="0" i="0" u="none" strike="noStrike" cap="none" normalizeH="0" baseline="0" smtClean="0">
-                <a:ln>
-                  <a:noFill/>
-                </a:ln>
-                <a:solidFill>
-                  <a:srgbClr val="FFFFFF"/>
-                </a:solidFill>
-                <a:effectLst/>
-                <a:latin typeface="微软雅黑" panose="020B0503020204020204" pitchFamily="34" charset="-122"/>
-                <a:ea typeface="微软雅黑" panose="020B0503020204020204" pitchFamily="34" charset="-122"/>
-              </a:rPr>
-              <a:t>B</a:t>
-            </a:r>
-            <a:endParaRPr kumimoji="0" lang="zh-CN" altLang="en-US" sz="1600" b="0" i="0" u="none" strike="noStrike" cap="none" normalizeH="0" baseline="0" smtClean="0">
-              <a:ln>
-                <a:noFill/>
-              </a:ln>
-              <a:solidFill>
-                <a:srgbClr val="FFFFFF"/>
-              </a:solidFill>
-              <a:effectLst/>
-              <a:latin typeface="微软雅黑" panose="020B0503020204020204" pitchFamily="34" charset="-122"/>
-              <a:ea typeface="微软雅黑" panose="020B0503020204020204" pitchFamily="34" charset="-122"/>
-            </a:endParaRPr>
-          </a:p>
-        </p:txBody>
-      </p:sp>
-    </p:spTree>
-    <p:custDataLst>
-      <p:tags r:id="rId13"/>
-    </p:custDataLst>
-  </p:cSld>
-  <p:clrMapOvr>
-    <a:masterClrMapping/>
-  </p:clrMapOvr>
-  <p:transition/>
-</p:sld>
-</file>
-
-<file path=ppt/slides/slide25.xml><?xml version="1.0" encoding="utf-8"?>
-<p:sld xmlns:a="http://schemas.openxmlformats.org/drawingml/2006/main" xmlns:r="http://schemas.openxmlformats.org/officeDocument/2006/relationships" xmlns:p="http://schemas.openxmlformats.org/presentationml/2006/main">
-  <p:cSld>
-    <p:spTree>
-      <p:nvGrpSpPr>
-        <p:cNvPr id="1" name=""/>
-        <p:cNvGrpSpPr/>
-        <p:nvPr/>
-      </p:nvGrpSpPr>
-      <p:grpSpPr/>
-      <p:sp>
-        <p:nvSpPr>
-          <p:cNvPr id="3" name="内容占位符 2"/>
-          <p:cNvSpPr>
-            <a:spLocks noGrp="1"/>
-          </p:cNvSpPr>
-          <p:nvPr>
-            <p:ph sz="quarter" idx="11"/>
-          </p:nvPr>
-        </p:nvSpPr>
-        <p:spPr/>
-        <p:txBody>
-          <a:bodyPr/>
-          <a:p>
-            <a:r>
-              <a:rPr lang="zh-CN" altLang="en-US"/>
-              <a:t>练习</a:t>
-            </a:r>
-            <a:endParaRPr lang="zh-CN" altLang="en-US"/>
-          </a:p>
-        </p:txBody>
-      </p:sp>
-      <p:pic>
-        <p:nvPicPr>
-          <p:cNvPr id="4" name="图片 3"/>
-          <p:cNvPicPr>
-            <a:picLocks noChangeAspect="1"/>
-          </p:cNvPicPr>
-          <p:nvPr/>
-        </p:nvPicPr>
-        <p:blipFill>
-          <a:blip r:embed="rId1"/>
-          <a:stretch>
-            <a:fillRect/>
-          </a:stretch>
-        </p:blipFill>
-        <p:spPr>
-          <a:xfrm>
-            <a:off x="1297305" y="1282065"/>
-            <a:ext cx="5044440" cy="4457700"/>
-          </a:xfrm>
-          <a:prstGeom prst="rect">
-            <a:avLst/>
-          </a:prstGeom>
-          <a:ln w="12700" cmpd="sng">
-            <a:solidFill>
-              <a:schemeClr val="accent1">
-                <a:shade val="50000"/>
-              </a:schemeClr>
-            </a:solidFill>
-            <a:prstDash val="solid"/>
-          </a:ln>
-        </p:spPr>
-      </p:pic>
-      <p:sp>
-        <p:nvSpPr>
-          <p:cNvPr id="32" name="文本框 31"/>
-          <p:cNvSpPr txBox="1"/>
-          <p:nvPr>
-            <p:custDataLst>
-              <p:tags r:id="rId2"/>
-            </p:custDataLst>
-          </p:nvPr>
-        </p:nvSpPr>
-        <p:spPr>
-          <a:xfrm>
-            <a:off x="6664960" y="2532380"/>
-            <a:ext cx="3784600" cy="2143125"/>
-          </a:xfrm>
-          <a:prstGeom prst="rect">
-            <a:avLst/>
-          </a:prstGeom>
-          <a:noFill/>
-        </p:spPr>
-        <p:txBody>
-          <a:bodyPr wrap="square" rtlCol="0" anchor="ctr" anchorCtr="0">
-            <a:noAutofit/>
-          </a:bodyPr>
-          <a:p>
-            <a:pPr lvl="0" algn="l" fontAlgn="auto">
-              <a:lnSpc>
-                <a:spcPct val="120000"/>
-              </a:lnSpc>
-              <a:buNone/>
-            </a:pPr>
-            <a:r>
-              <a:rPr lang="zh-CN" altLang="en-US" sz="2600">
-                <a:solidFill>
-                  <a:srgbClr val="000000"/>
-                </a:solidFill>
-                <a:latin typeface="微软雅黑" panose="020B0503020204020204" pitchFamily="34" charset="-122"/>
-                <a:ea typeface="微软雅黑" panose="020B0503020204020204" pitchFamily="34" charset="-122"/>
-              </a:rPr>
-              <a:t>分析变量的存储情况，并回答控制台输出结果。</a:t>
-            </a:r>
-            <a:endParaRPr lang="zh-CN" altLang="en-US" sz="2600">
-              <a:solidFill>
-                <a:srgbClr val="000000"/>
-              </a:solidFill>
-              <a:latin typeface="微软雅黑" panose="020B0503020204020204" pitchFamily="34" charset="-122"/>
-              <a:ea typeface="微软雅黑" panose="020B0503020204020204" pitchFamily="34" charset="-122"/>
-            </a:endParaRPr>
-          </a:p>
-        </p:txBody>
-      </p:sp>
-      <p:sp>
-        <p:nvSpPr>
-          <p:cNvPr id="6" name="文本框 5"/>
-          <p:cNvSpPr txBox="1"/>
-          <p:nvPr/>
-        </p:nvSpPr>
-        <p:spPr>
-          <a:xfrm>
-            <a:off x="10791825" y="6052820"/>
-            <a:ext cx="1103630" cy="460375"/>
-          </a:xfrm>
-          <a:prstGeom prst="rect">
-            <a:avLst/>
-          </a:prstGeom>
-          <a:noFill/>
-        </p:spPr>
-        <p:txBody>
-          <a:bodyPr wrap="none" rtlCol="0" anchor="t">
-            <a:spAutoFit/>
-          </a:bodyPr>
-          <a:p>
-            <a:r>
-              <a:rPr lang="en-US" altLang="zh-CN" sz="2400">
-                <a:latin typeface="微软雅黑" panose="020B0503020204020204" pitchFamily="34" charset="-122"/>
-                <a:ea typeface="微软雅黑" panose="020B0503020204020204" pitchFamily="34" charset="-122"/>
-                <a:sym typeface="+mn-ea"/>
-              </a:rPr>
-              <a:t>4.html</a:t>
-            </a:r>
-            <a:endParaRPr lang="en-US" altLang="zh-CN" sz="2400">
-              <a:latin typeface="微软雅黑" panose="020B0503020204020204" pitchFamily="34" charset="-122"/>
-              <a:ea typeface="微软雅黑" panose="020B0503020204020204" pitchFamily="34" charset="-122"/>
-            </a:endParaRPr>
-          </a:p>
-        </p:txBody>
-      </p:sp>
     </p:spTree>
   </p:cSld>
   <p:clrMapOvr>
@@ -18966,126 +18967,6 @@
       <p:grpSpPr/>
       <p:sp>
         <p:nvSpPr>
-          <p:cNvPr id="2" name="内容占位符 1"/>
-          <p:cNvSpPr>
-            <a:spLocks noGrp="1"/>
-          </p:cNvSpPr>
-          <p:nvPr>
-            <p:ph sz="quarter" idx="10"/>
-          </p:nvPr>
-        </p:nvSpPr>
-        <p:spPr/>
-        <p:txBody>
-          <a:bodyPr/>
-          <a:p>
-            <a:r>
-              <a:rPr lang="en-US" altLang="zh-CN"/>
-              <a:t> </a:t>
-            </a:r>
-            <a:r>
-              <a:rPr lang="zh-CN" altLang="en-US"/>
-              <a:t>数据类型转换</a:t>
-            </a:r>
-            <a:endParaRPr lang="zh-CN" altLang="en-US"/>
-          </a:p>
-          <a:p>
-            <a:pPr lvl="1"/>
-            <a:r>
-              <a:rPr lang="zh-CN" altLang="en-US" sz="2400"/>
-              <a:t> 转换为 </a:t>
-            </a:r>
-            <a:r>
-              <a:rPr lang="en-US" altLang="zh-CN" sz="2400"/>
-              <a:t>Number</a:t>
-            </a:r>
-            <a:endParaRPr lang="en-US" altLang="zh-CN" sz="2400"/>
-          </a:p>
-          <a:p>
-            <a:pPr lvl="1"/>
-            <a:r>
-              <a:rPr lang="en-US" altLang="zh-CN"/>
-              <a:t> </a:t>
-            </a:r>
-            <a:r>
-              <a:rPr lang="zh-CN" altLang="en-US"/>
-              <a:t>转换为 </a:t>
-            </a:r>
-            <a:r>
-              <a:rPr lang="en-US" altLang="zh-CN"/>
-              <a:t>String</a:t>
-            </a:r>
-            <a:endParaRPr lang="en-US" altLang="zh-CN"/>
-          </a:p>
-          <a:p>
-            <a:pPr lvl="1"/>
-            <a:r>
-              <a:rPr lang="en-US" altLang="zh-CN"/>
-              <a:t> </a:t>
-            </a:r>
-            <a:r>
-              <a:rPr lang="zh-CN" altLang="en-US"/>
-              <a:t>转换为 </a:t>
-            </a:r>
-            <a:r>
-              <a:rPr lang="en-US" altLang="zh-CN"/>
-              <a:t>Boolean</a:t>
-            </a:r>
-            <a:endParaRPr lang="en-US" altLang="zh-CN"/>
-          </a:p>
-          <a:p>
-            <a:pPr marL="168275" lvl="1" indent="0">
-              <a:buNone/>
-            </a:pPr>
-            <a:endParaRPr lang="en-US" altLang="zh-CN"/>
-          </a:p>
-        </p:txBody>
-      </p:sp>
-      <p:sp>
-        <p:nvSpPr>
-          <p:cNvPr id="3" name="内容占位符 2"/>
-          <p:cNvSpPr>
-            <a:spLocks noGrp="1"/>
-          </p:cNvSpPr>
-          <p:nvPr>
-            <p:ph sz="quarter" idx="11"/>
-          </p:nvPr>
-        </p:nvSpPr>
-        <p:spPr/>
-        <p:txBody>
-          <a:bodyPr/>
-          <a:p>
-            <a:r>
-              <a:rPr lang="zh-CN" altLang="en-US" dirty="0"/>
-              <a:t>总结</a:t>
-            </a:r>
-            <a:endParaRPr lang="zh-CN" altLang="en-US" dirty="0"/>
-          </a:p>
-          <a:p>
-            <a:endParaRPr lang="zh-CN" altLang="en-US"/>
-          </a:p>
-        </p:txBody>
-      </p:sp>
-    </p:spTree>
-  </p:cSld>
-  <p:clrMapOvr>
-    <a:masterClrMapping/>
-  </p:clrMapOvr>
-  <p:transition/>
-</p:sld>
-</file>
-
-<file path=ppt/slides/slide38.xml><?xml version="1.0" encoding="utf-8"?>
-<p:sld xmlns:a="http://schemas.openxmlformats.org/drawingml/2006/main" xmlns:r="http://schemas.openxmlformats.org/officeDocument/2006/relationships" xmlns:p="http://schemas.openxmlformats.org/presentationml/2006/main">
-  <p:cSld>
-    <p:spTree>
-      <p:nvGrpSpPr>
-        <p:cNvPr id="1" name=""/>
-        <p:cNvGrpSpPr/>
-        <p:nvPr/>
-      </p:nvGrpSpPr>
-      <p:grpSpPr/>
-      <p:sp>
-        <p:nvSpPr>
           <p:cNvPr id="3" name="内容占位符 2"/>
           <p:cNvSpPr>
             <a:spLocks noGrp="1"/>
@@ -19188,6 +19069,126 @@
 </p:sld>
 </file>
 
+<file path=ppt/slides/slide38.xml><?xml version="1.0" encoding="utf-8"?>
+<p:sld xmlns:a="http://schemas.openxmlformats.org/drawingml/2006/main" xmlns:r="http://schemas.openxmlformats.org/officeDocument/2006/relationships" xmlns:p="http://schemas.openxmlformats.org/presentationml/2006/main">
+  <p:cSld>
+    <p:spTree>
+      <p:nvGrpSpPr>
+        <p:cNvPr id="1" name=""/>
+        <p:cNvGrpSpPr/>
+        <p:nvPr/>
+      </p:nvGrpSpPr>
+      <p:grpSpPr/>
+      <p:sp>
+        <p:nvSpPr>
+          <p:cNvPr id="2" name="内容占位符 1"/>
+          <p:cNvSpPr>
+            <a:spLocks noGrp="1"/>
+          </p:cNvSpPr>
+          <p:nvPr>
+            <p:ph sz="quarter" idx="10"/>
+          </p:nvPr>
+        </p:nvSpPr>
+        <p:spPr/>
+        <p:txBody>
+          <a:bodyPr/>
+          <a:p>
+            <a:r>
+              <a:rPr lang="en-US" altLang="zh-CN"/>
+              <a:t> </a:t>
+            </a:r>
+            <a:r>
+              <a:rPr lang="zh-CN" altLang="en-US"/>
+              <a:t>数据类型转换</a:t>
+            </a:r>
+            <a:endParaRPr lang="zh-CN" altLang="en-US"/>
+          </a:p>
+          <a:p>
+            <a:pPr lvl="1"/>
+            <a:r>
+              <a:rPr lang="zh-CN" altLang="en-US" sz="2400"/>
+              <a:t> 转换为 </a:t>
+            </a:r>
+            <a:r>
+              <a:rPr lang="en-US" altLang="zh-CN" sz="2400"/>
+              <a:t>Number</a:t>
+            </a:r>
+            <a:endParaRPr lang="en-US" altLang="zh-CN" sz="2400"/>
+          </a:p>
+          <a:p>
+            <a:pPr lvl="1"/>
+            <a:r>
+              <a:rPr lang="en-US" altLang="zh-CN"/>
+              <a:t> </a:t>
+            </a:r>
+            <a:r>
+              <a:rPr lang="zh-CN" altLang="en-US"/>
+              <a:t>转换为 </a:t>
+            </a:r>
+            <a:r>
+              <a:rPr lang="en-US" altLang="zh-CN"/>
+              <a:t>String</a:t>
+            </a:r>
+            <a:endParaRPr lang="en-US" altLang="zh-CN"/>
+          </a:p>
+          <a:p>
+            <a:pPr lvl="1"/>
+            <a:r>
+              <a:rPr lang="en-US" altLang="zh-CN"/>
+              <a:t> </a:t>
+            </a:r>
+            <a:r>
+              <a:rPr lang="zh-CN" altLang="en-US"/>
+              <a:t>转换为 </a:t>
+            </a:r>
+            <a:r>
+              <a:rPr lang="en-US" altLang="zh-CN"/>
+              <a:t>Boolean</a:t>
+            </a:r>
+            <a:endParaRPr lang="en-US" altLang="zh-CN"/>
+          </a:p>
+          <a:p>
+            <a:pPr marL="168275" lvl="1" indent="0">
+              <a:buNone/>
+            </a:pPr>
+            <a:endParaRPr lang="en-US" altLang="zh-CN"/>
+          </a:p>
+        </p:txBody>
+      </p:sp>
+      <p:sp>
+        <p:nvSpPr>
+          <p:cNvPr id="3" name="内容占位符 2"/>
+          <p:cNvSpPr>
+            <a:spLocks noGrp="1"/>
+          </p:cNvSpPr>
+          <p:nvPr>
+            <p:ph sz="quarter" idx="11"/>
+          </p:nvPr>
+        </p:nvSpPr>
+        <p:spPr/>
+        <p:txBody>
+          <a:bodyPr/>
+          <a:p>
+            <a:r>
+              <a:rPr lang="zh-CN" altLang="en-US" dirty="0"/>
+              <a:t>总结</a:t>
+            </a:r>
+            <a:endParaRPr lang="zh-CN" altLang="en-US" dirty="0"/>
+          </a:p>
+          <a:p>
+            <a:endParaRPr lang="zh-CN" altLang="en-US"/>
+          </a:p>
+        </p:txBody>
+      </p:sp>
+    </p:spTree>
+  </p:cSld>
+  <p:clrMapOvr>
+    <a:masterClrMapping/>
+  </p:clrMapOvr>
+  <p:transition/>
+</p:sld>
+</file>
+
 <file path=ppt/slides/slide39.xml><?xml version="1.0" encoding="utf-8"?>
 <p:sld xmlns:a="http://schemas.openxmlformats.org/drawingml/2006/main" xmlns:r="http://schemas.openxmlformats.org/officeDocument/2006/relationships" xmlns:p="http://schemas.openxmlformats.org/presentationml/2006/main">
   <p:cSld>
@@ -19197,194 +19198,113 @@
         <p:cNvGrpSpPr/>
         <p:nvPr/>
       </p:nvGrpSpPr>
-      <p:grpSpPr>
-        <a:xfrm>
-          <a:off x="0" y="0"/>
-          <a:ext cx="0" cy="0"/>
-          <a:chOff x="0" y="0"/>
-          <a:chExt cx="0" cy="0"/>
-        </a:xfrm>
-      </p:grpSpPr>
-      <p:pic>
-        <p:nvPicPr>
-          <p:cNvPr id="11266" name="Picture 5"/>
-          <p:cNvPicPr>
-            <a:picLocks noChangeAspect="1" noChangeArrowheads="1"/>
-          </p:cNvPicPr>
-          <p:nvPr/>
-        </p:nvPicPr>
-        <p:blipFill>
-          <a:blip r:embed="rId1">
-            <a:extLst>
-              <a:ext uri="{28A0092B-C50C-407E-A947-70E740481C1C}">
-                <a14:useLocalDpi xmlns:a14="http://schemas.microsoft.com/office/drawing/2010/main" val="0"/>
-              </a:ext>
-            </a:extLst>
-          </a:blip>
-          <a:srcRect/>
-          <a:stretch>
-            <a:fillRect/>
-          </a:stretch>
-        </p:blipFill>
-        <p:spPr bwMode="auto">
-          <a:xfrm>
-            <a:off x="1" y="0"/>
-            <a:ext cx="12192000" cy="6858000"/>
-          </a:xfrm>
-          <a:prstGeom prst="rect">
-            <a:avLst/>
-          </a:prstGeom>
-          <a:noFill/>
-          <a:ln>
-            <a:noFill/>
-          </a:ln>
-          <a:extLst>
-            <a:ext uri="{909E8E84-426E-40DD-AFC4-6F175D3DCCD1}">
-              <a14:hiddenFill xmlns:a14="http://schemas.microsoft.com/office/drawing/2010/main">
-                <a:solidFill>
-                  <a:srgbClr val="FFFFFF"/>
-                </a:solidFill>
-              </a14:hiddenFill>
-            </a:ext>
-            <a:ext uri="{91240B29-F687-4F45-9708-019B960494DF}">
-              <a14:hiddenLine xmlns:a14="http://schemas.microsoft.com/office/drawing/2010/main" w="9525">
-                <a:solidFill>
-                  <a:srgbClr val="000000"/>
-                </a:solidFill>
-                <a:miter lim="800000"/>
-                <a:headEnd/>
-                <a:tailEnd/>
-              </a14:hiddenLine>
-            </a:ext>
-          </a:extLst>
-        </p:spPr>
-      </p:pic>
+      <p:grpSpPr/>
       <p:sp>
         <p:nvSpPr>
-          <p:cNvPr id="11267" name="Rectangle 6"/>
+          <p:cNvPr id="3" name="内容占位符 2"/>
           <p:cNvSpPr>
-            <a:spLocks noGrp="1" noChangeArrowheads="1"/>
+            <a:spLocks noGrp="1"/>
           </p:cNvSpPr>
           <p:nvPr>
-            <p:ph type="ctrTitle" idx="4294967295"/>
+            <p:ph sz="quarter" idx="11"/>
           </p:nvPr>
         </p:nvSpPr>
-        <p:spPr bwMode="auto">
-          <a:xfrm>
-            <a:off x="2095502" y="3143252"/>
-            <a:ext cx="7362825" cy="1285875"/>
-          </a:xfrm>
-          <a:prstGeom prst="rect">
-            <a:avLst/>
-          </a:prstGeom>
-          <a:noFill/>
-          <a:extLst>
-            <a:ext uri="{909E8E84-426E-40DD-AFC4-6F175D3DCCD1}">
-              <a14:hiddenFill xmlns:a14="http://schemas.microsoft.com/office/drawing/2010/main">
-                <a:solidFill>
-                  <a:srgbClr val="FFFFFF"/>
-                </a:solidFill>
-              </a14:hiddenFill>
-            </a:ext>
-            <a:ext uri="{91240B29-F687-4F45-9708-019B960494DF}">
-              <a14:hiddenLine xmlns:a14="http://schemas.microsoft.com/office/drawing/2010/main" w="9525">
-                <a:solidFill>
-                  <a:srgbClr val="000000"/>
-                </a:solidFill>
-                <a:miter lim="800000"/>
-                <a:headEnd/>
-                <a:tailEnd/>
-              </a14:hiddenLine>
-            </a:ext>
-          </a:extLst>
-        </p:spPr>
+        <p:spPr/>
         <p:txBody>
-          <a:bodyPr anchor="b"/>
-          <a:lstStyle/>
-          <a:p>
-            <a:pPr algn="ctr" eaLnBrk="1" hangingPunct="1"/>
-            <a:r>
-              <a:rPr lang="en-US" altLang="zh-CN" sz="5400" dirty="0">
-                <a:solidFill>
-                  <a:schemeClr val="tx1"/>
-                </a:solidFill>
-              </a:rPr>
-              <a:t>Thank</a:t>
-            </a:r>
-            <a:r>
-              <a:rPr lang="en-US" altLang="zh-CN" sz="5400" dirty="0"/>
-              <a:t> </a:t>
-            </a:r>
-            <a:r>
-              <a:rPr lang="en-US" altLang="zh-CN" sz="5400" dirty="0">
-                <a:solidFill>
-                  <a:srgbClr val="FF0000"/>
-                </a:solidFill>
-              </a:rPr>
-              <a:t>You</a:t>
-            </a:r>
-            <a:r>
-              <a:rPr lang="zh-CN" altLang="en-US" sz="5400" dirty="0"/>
-              <a:t>！</a:t>
-            </a:r>
-            <a:endParaRPr lang="zh-CN" altLang="zh-CN" sz="5400" dirty="0"/>
+          <a:bodyPr/>
+          <a:p>
+            <a:r>
+              <a:rPr lang="zh-CN" altLang="en-US" dirty="0"/>
+              <a:t>任务</a:t>
+            </a:r>
+            <a:endParaRPr lang="zh-CN" altLang="en-US"/>
           </a:p>
         </p:txBody>
       </p:sp>
-      <p:pic>
-        <p:nvPicPr>
-          <p:cNvPr id="11268" name="图片 3" descr="软院logo横版.png"/>
-          <p:cNvPicPr>
-            <a:picLocks noChangeAspect="1"/>
-          </p:cNvPicPr>
-          <p:nvPr/>
-        </p:nvPicPr>
-        <p:blipFill>
-          <a:blip r:embed="rId2">
-            <a:extLst>
-              <a:ext uri="{28A0092B-C50C-407E-A947-70E740481C1C}">
-                <a14:useLocalDpi xmlns:a14="http://schemas.microsoft.com/office/drawing/2010/main" val="0"/>
-              </a:ext>
-            </a:extLst>
-          </a:blip>
-          <a:srcRect/>
-          <a:stretch>
-            <a:fillRect/>
-          </a:stretch>
-        </p:blipFill>
-        <p:spPr bwMode="auto">
-          <a:xfrm>
-            <a:off x="2062166" y="5927725"/>
-            <a:ext cx="3381375" cy="527051"/>
-          </a:xfrm>
-          <a:prstGeom prst="rect">
-            <a:avLst/>
-          </a:prstGeom>
-          <a:noFill/>
-          <a:ln>
-            <a:noFill/>
-          </a:ln>
-          <a:extLst>
-            <a:ext uri="{909E8E84-426E-40DD-AFC4-6F175D3DCCD1}">
-              <a14:hiddenFill xmlns:a14="http://schemas.microsoft.com/office/drawing/2010/main">
-                <a:solidFill>
-                  <a:srgbClr val="FFFFFF"/>
-                </a:solidFill>
-              </a14:hiddenFill>
-            </a:ext>
-            <a:ext uri="{91240B29-F687-4F45-9708-019B960494DF}">
-              <a14:hiddenLine xmlns:a14="http://schemas.microsoft.com/office/drawing/2010/main" w="9525">
-                <a:solidFill>
-                  <a:srgbClr val="000000"/>
-                </a:solidFill>
-                <a:miter lim="800000"/>
-                <a:headEnd/>
-                <a:tailEnd/>
-              </a14:hiddenLine>
-            </a:ext>
-          </a:extLst>
-        </p:spPr>
-      </p:pic>
+      <p:sp>
+        <p:nvSpPr>
+          <p:cNvPr id="2" name="内容占位符 1"/>
+          <p:cNvSpPr>
+            <a:spLocks noGrp="1"/>
+          </p:cNvSpPr>
+          <p:nvPr>
+            <p:ph sz="quarter" idx="10"/>
+          </p:nvPr>
+        </p:nvSpPr>
+        <p:spPr/>
+        <p:txBody>
+          <a:bodyPr/>
+          <a:p>
+            <a:r>
+              <a:rPr lang="en-US" altLang="zh-CN"/>
+              <a:t> </a:t>
+            </a:r>
+            <a:r>
+              <a:rPr lang="zh-CN" altLang="en-US"/>
+              <a:t>阅读书籍</a:t>
+            </a:r>
+            <a:endParaRPr lang="zh-CN" altLang="en-US"/>
+          </a:p>
+          <a:p>
+            <a:pPr lvl="1"/>
+            <a:r>
+              <a:rPr lang="zh-CN" altLang="en-US"/>
+              <a:t> 《你不知道的</a:t>
+            </a:r>
+            <a:r>
+              <a:rPr lang="en-US" altLang="zh-CN"/>
+              <a:t>JavaScript</a:t>
+            </a:r>
+            <a:r>
+              <a:rPr lang="zh-CN" altLang="en-US"/>
+              <a:t>（中卷）》第</a:t>
+            </a:r>
+            <a:r>
+              <a:rPr lang="en-US" altLang="zh-CN"/>
+              <a:t>1/2/4</a:t>
+            </a:r>
+            <a:r>
+              <a:rPr lang="zh-CN" altLang="en-US"/>
+              <a:t>章</a:t>
+            </a:r>
+            <a:endParaRPr lang="zh-CN" altLang="en-US"/>
+          </a:p>
+          <a:p>
+            <a:pPr lvl="0"/>
+            <a:r>
+              <a:rPr lang="zh-CN" altLang="en-US" sz="2800"/>
+              <a:t> 总结相关知识点</a:t>
+            </a:r>
+            <a:endParaRPr lang="zh-CN" altLang="en-US" sz="2800"/>
+          </a:p>
+          <a:p>
+            <a:pPr lvl="0"/>
+            <a:r>
+              <a:rPr lang="zh-CN" altLang="en-US" sz="2800"/>
+              <a:t> 上传总结到 </a:t>
+            </a:r>
+            <a:r>
+              <a:rPr lang="en-US" altLang="zh-CN">
+                <a:sym typeface="+mn-ea"/>
+              </a:rPr>
+              <a:t>javascript-advanced-summary </a:t>
+            </a:r>
+            <a:r>
+              <a:rPr lang="zh-CN" altLang="en-US">
+                <a:sym typeface="+mn-ea"/>
+              </a:rPr>
+              <a:t>仓库</a:t>
+            </a:r>
+            <a:endParaRPr lang="en-US" altLang="zh-CN"/>
+          </a:p>
+          <a:p>
+            <a:pPr marL="168275" lvl="1" indent="0">
+              <a:buNone/>
+            </a:pPr>
+            <a:endParaRPr lang="en-US" altLang="zh-CN"/>
+          </a:p>
+        </p:txBody>
+      </p:sp>
     </p:spTree>
   </p:cSld>
   <p:clrMapOvr>
@@ -19937,6 +19857,212 @@
 </p:sld>
 </file>
 
+<file path=ppt/slides/slide40.xml><?xml version="1.0" encoding="utf-8"?>
+<p:sld xmlns:a="http://schemas.openxmlformats.org/drawingml/2006/main" xmlns:r="http://schemas.openxmlformats.org/officeDocument/2006/relationships" xmlns:p="http://schemas.openxmlformats.org/presentationml/2006/main">
+  <p:cSld>
+    <p:spTree>
+      <p:nvGrpSpPr>
+        <p:cNvPr id="1" name=""/>
+        <p:cNvGrpSpPr/>
+        <p:nvPr/>
+      </p:nvGrpSpPr>
+      <p:grpSpPr>
+        <a:xfrm>
+          <a:off x="0" y="0"/>
+          <a:ext cx="0" cy="0"/>
+          <a:chOff x="0" y="0"/>
+          <a:chExt cx="0" cy="0"/>
+        </a:xfrm>
+      </p:grpSpPr>
+      <p:pic>
+        <p:nvPicPr>
+          <p:cNvPr id="11266" name="Picture 5"/>
+          <p:cNvPicPr>
+            <a:picLocks noChangeAspect="1" noChangeArrowheads="1"/>
+          </p:cNvPicPr>
+          <p:nvPr/>
+        </p:nvPicPr>
+        <p:blipFill>
+          <a:blip r:embed="rId1">
+            <a:extLst>
+              <a:ext uri="{28A0092B-C50C-407E-A947-70E740481C1C}">
+                <a14:useLocalDpi xmlns:a14="http://schemas.microsoft.com/office/drawing/2010/main" val="0"/>
+              </a:ext>
+            </a:extLst>
+          </a:blip>
+          <a:srcRect/>
+          <a:stretch>
+            <a:fillRect/>
+          </a:stretch>
+        </p:blipFill>
+        <p:spPr bwMode="auto">
+          <a:xfrm>
+            <a:off x="1" y="0"/>
+            <a:ext cx="12192000" cy="6858000"/>
+          </a:xfrm>
+          <a:prstGeom prst="rect">
+            <a:avLst/>
+          </a:prstGeom>
+          <a:noFill/>
+          <a:ln>
+            <a:noFill/>
+          </a:ln>
+          <a:extLst>
+            <a:ext uri="{909E8E84-426E-40DD-AFC4-6F175D3DCCD1}">
+              <a14:hiddenFill xmlns:a14="http://schemas.microsoft.com/office/drawing/2010/main">
+                <a:solidFill>
+                  <a:srgbClr val="FFFFFF"/>
+                </a:solidFill>
+              </a14:hiddenFill>
+            </a:ext>
+            <a:ext uri="{91240B29-F687-4F45-9708-019B960494DF}">
+              <a14:hiddenLine xmlns:a14="http://schemas.microsoft.com/office/drawing/2010/main" w="9525">
+                <a:solidFill>
+                  <a:srgbClr val="000000"/>
+                </a:solidFill>
+                <a:miter lim="800000"/>
+                <a:headEnd/>
+                <a:tailEnd/>
+              </a14:hiddenLine>
+            </a:ext>
+          </a:extLst>
+        </p:spPr>
+      </p:pic>
+      <p:sp>
+        <p:nvSpPr>
+          <p:cNvPr id="11267" name="Rectangle 6"/>
+          <p:cNvSpPr>
+            <a:spLocks noGrp="1" noChangeArrowheads="1"/>
+          </p:cNvSpPr>
+          <p:nvPr>
+            <p:ph type="ctrTitle" idx="4294967295"/>
+          </p:nvPr>
+        </p:nvSpPr>
+        <p:spPr bwMode="auto">
+          <a:xfrm>
+            <a:off x="2095502" y="3143252"/>
+            <a:ext cx="7362825" cy="1285875"/>
+          </a:xfrm>
+          <a:prstGeom prst="rect">
+            <a:avLst/>
+          </a:prstGeom>
+          <a:noFill/>
+          <a:extLst>
+            <a:ext uri="{909E8E84-426E-40DD-AFC4-6F175D3DCCD1}">
+              <a14:hiddenFill xmlns:a14="http://schemas.microsoft.com/office/drawing/2010/main">
+                <a:solidFill>
+                  <a:srgbClr val="FFFFFF"/>
+                </a:solidFill>
+              </a14:hiddenFill>
+            </a:ext>
+            <a:ext uri="{91240B29-F687-4F45-9708-019B960494DF}">
+              <a14:hiddenLine xmlns:a14="http://schemas.microsoft.com/office/drawing/2010/main" w="9525">
+                <a:solidFill>
+                  <a:srgbClr val="000000"/>
+                </a:solidFill>
+                <a:miter lim="800000"/>
+                <a:headEnd/>
+                <a:tailEnd/>
+              </a14:hiddenLine>
+            </a:ext>
+          </a:extLst>
+        </p:spPr>
+        <p:txBody>
+          <a:bodyPr anchor="b"/>
+          <a:lstStyle/>
+          <a:p>
+            <a:pPr algn="ctr" eaLnBrk="1" hangingPunct="1"/>
+            <a:r>
+              <a:rPr lang="en-US" altLang="zh-CN" sz="5400" dirty="0">
+                <a:solidFill>
+                  <a:schemeClr val="tx1"/>
+                </a:solidFill>
+              </a:rPr>
+              <a:t>Thank</a:t>
+            </a:r>
+            <a:r>
+              <a:rPr lang="en-US" altLang="zh-CN" sz="5400" dirty="0"/>
+              <a:t> </a:t>
+            </a:r>
+            <a:r>
+              <a:rPr lang="en-US" altLang="zh-CN" sz="5400" dirty="0">
+                <a:solidFill>
+                  <a:srgbClr val="FF0000"/>
+                </a:solidFill>
+              </a:rPr>
+              <a:t>You</a:t>
+            </a:r>
+            <a:r>
+              <a:rPr lang="zh-CN" altLang="en-US" sz="5400" dirty="0"/>
+              <a:t>！</a:t>
+            </a:r>
+            <a:endParaRPr lang="zh-CN" altLang="zh-CN" sz="5400" dirty="0"/>
+          </a:p>
+        </p:txBody>
+      </p:sp>
+      <p:pic>
+        <p:nvPicPr>
+          <p:cNvPr id="11268" name="图片 3" descr="软院logo横版.png"/>
+          <p:cNvPicPr>
+            <a:picLocks noChangeAspect="1"/>
+          </p:cNvPicPr>
+          <p:nvPr/>
+        </p:nvPicPr>
+        <p:blipFill>
+          <a:blip r:embed="rId2">
+            <a:extLst>
+              <a:ext uri="{28A0092B-C50C-407E-A947-70E740481C1C}">
+                <a14:useLocalDpi xmlns:a14="http://schemas.microsoft.com/office/drawing/2010/main" val="0"/>
+              </a:ext>
+            </a:extLst>
+          </a:blip>
+          <a:srcRect/>
+          <a:stretch>
+            <a:fillRect/>
+          </a:stretch>
+        </p:blipFill>
+        <p:spPr bwMode="auto">
+          <a:xfrm>
+            <a:off x="2062166" y="5927725"/>
+            <a:ext cx="3381375" cy="527051"/>
+          </a:xfrm>
+          <a:prstGeom prst="rect">
+            <a:avLst/>
+          </a:prstGeom>
+          <a:noFill/>
+          <a:ln>
+            <a:noFill/>
+          </a:ln>
+          <a:extLst>
+            <a:ext uri="{909E8E84-426E-40DD-AFC4-6F175D3DCCD1}">
+              <a14:hiddenFill xmlns:a14="http://schemas.microsoft.com/office/drawing/2010/main">
+                <a:solidFill>
+                  <a:srgbClr val="FFFFFF"/>
+                </a:solidFill>
+              </a14:hiddenFill>
+            </a:ext>
+            <a:ext uri="{91240B29-F687-4F45-9708-019B960494DF}">
+              <a14:hiddenLine xmlns:a14="http://schemas.microsoft.com/office/drawing/2010/main" w="9525">
+                <a:solidFill>
+                  <a:srgbClr val="000000"/>
+                </a:solidFill>
+                <a:miter lim="800000"/>
+                <a:headEnd/>
+                <a:tailEnd/>
+              </a14:hiddenLine>
+            </a:ext>
+          </a:extLst>
+        </p:spPr>
+      </p:pic>
+    </p:spTree>
+  </p:cSld>
+  <p:clrMapOvr>
+    <a:masterClrMapping/>
+  </p:clrMapOvr>
+  <p:transition/>
+</p:sld>
+</file>
+
 <file path=ppt/slides/slide5.xml><?xml version="1.0" encoding="utf-8"?>
 <p:sld xmlns:a="http://schemas.openxmlformats.org/drawingml/2006/main" xmlns:r="http://schemas.openxmlformats.org/officeDocument/2006/relationships" xmlns:p="http://schemas.openxmlformats.org/presentationml/2006/main">
   <p:cSld>
@@ -22339,13 +22465,13 @@
 
 <file path=ppt/tags/tag30.xml><?xml version="1.0" encoding="utf-8"?>
 <p:tagLst xmlns:p="http://schemas.openxmlformats.org/presentationml/2006/main">
-  <p:tag name="KSO_WM_UNIT_TABLE_BEAUTIFY" val="smartTable{2b7471b9-afa5-47b3-8404-b819da71077a}"/>
+  <p:tag name="RAINPROBLEM" val="ProblemBody"/>
 </p:tagLst>
 </file>
 
 <file path=ppt/tags/tag31.xml><?xml version="1.0" encoding="utf-8"?>
 <p:tagLst xmlns:p="http://schemas.openxmlformats.org/presentationml/2006/main">
-  <p:tag name="RAINPROBLEM" val="ProblemBody"/>
+  <p:tag name="RAINPROBLEM" val="ProblemItem"/>
 </p:tagLst>
 </file>
 
@@ -22363,7 +22489,9 @@
 
 <file path=ppt/tags/tag34.xml><?xml version="1.0" encoding="utf-8"?>
 <p:tagLst xmlns:p="http://schemas.openxmlformats.org/presentationml/2006/main">
-  <p:tag name="RAINPROBLEM" val="ProblemItem"/>
+  <p:tag name="RAINPROBLEM" val="ProblemBullet"/>
+  <p:tag name="RAINPROBLEMTYPE" val="MultipleChoice"/>
+  <p:tag name="RAINBULLET" val="Wrong"/>
 </p:tagLst>
 </file>
 
@@ -22377,9 +22505,7 @@
 
 <file path=ppt/tags/tag36.xml><?xml version="1.0" encoding="utf-8"?>
 <p:tagLst xmlns:p="http://schemas.openxmlformats.org/presentationml/2006/main">
-  <p:tag name="RAINPROBLEM" val="ProblemBullet"/>
-  <p:tag name="RAINPROBLEMTYPE" val="MultipleChoice"/>
-  <p:tag name="RAINBULLET" val="Wrong"/>
+  <p:tag name="RAINPROBLEMTYPE" val="ProblemTypeMarker"/>
 </p:tagLst>
 </file>
 
@@ -22411,28 +22537,28 @@
 
 <file path=ppt/tags/tag40.xml><?xml version="1.0" encoding="utf-8"?>
 <p:tagLst xmlns:p="http://schemas.openxmlformats.org/presentationml/2006/main">
-  <p:tag name="RAINPROBLEMTYPE" val="ProblemTypeMarker"/>
-</p:tagLst>
-</file>
-
-<file path=ppt/tags/tag41.xml><?xml version="1.0" encoding="utf-8"?>
-<p:tagLst xmlns:p="http://schemas.openxmlformats.org/presentationml/2006/main">
   <p:tag name="RAINPROBLEM" val="ProblemBullet"/>
   <p:tag name="RAINPROBLEMTYPE" val="MultipleChoice"/>
   <p:tag name="RAINBULLET" val="Wrong"/>
 </p:tagLst>
 </file>
 
-<file path=ppt/tags/tag42.xml><?xml version="1.0" encoding="utf-8"?>
+<file path=ppt/tags/tag41.xml><?xml version="1.0" encoding="utf-8"?>
 <p:tagLst xmlns:p="http://schemas.openxmlformats.org/presentationml/2006/main">
   <p:tag name="RAINPROBLEM" val="MultipleChoice"/>
   <p:tag name="PROBLEMSCORE" val="1.0"/>
 </p:tagLst>
 </file>
 
+<file path=ppt/tags/tag42.xml><?xml version="1.0" encoding="utf-8"?>
+<p:tagLst xmlns:p="http://schemas.openxmlformats.org/presentationml/2006/main">
+  <p:tag name="RAINPROBLEM" val="ProblemBody"/>
+</p:tagLst>
+</file>
+
 <file path=ppt/tags/tag43.xml><?xml version="1.0" encoding="utf-8"?>
 <p:tagLst xmlns:p="http://schemas.openxmlformats.org/presentationml/2006/main">
-  <p:tag name="RAINPROBLEM" val="ProblemBody"/>
+  <p:tag name="KSO_WM_UNIT_TABLE_BEAUTIFY" val="smartTable{2b7471b9-afa5-47b3-8404-b819da71077a}"/>
 </p:tagLst>
 </file>
 

--- a/02.数据类型以及存储和转换/02.数据类型以及存储和转换.pptx
+++ b/02.数据类型以及存储和转换/02.数据类型以及存储和转换.pptx
@@ -11282,7 +11282,67 @@
                 <a:latin typeface="微软雅黑" panose="020B0503020204020204" pitchFamily="34" charset="-122"/>
                 <a:ea typeface="微软雅黑" panose="020B0503020204020204" pitchFamily="34" charset="-122"/>
               </a:rPr>
-              <a:t>[ 2, 3, 4]</a:t>
+              <a:t>[ </a:t>
+            </a:r>
+            <a:r>
+              <a:rPr lang="en-US" altLang="zh-CN" sz="2600">
+                <a:solidFill>
+                  <a:srgbClr val="000000"/>
+                </a:solidFill>
+                <a:latin typeface="微软雅黑" panose="020B0503020204020204" pitchFamily="34" charset="-122"/>
+                <a:ea typeface="微软雅黑" panose="020B0503020204020204" pitchFamily="34" charset="-122"/>
+              </a:rPr>
+              <a:t>1</a:t>
+            </a:r>
+            <a:r>
+              <a:rPr lang="zh-CN" altLang="en-US" sz="2600">
+                <a:solidFill>
+                  <a:srgbClr val="000000"/>
+                </a:solidFill>
+                <a:latin typeface="微软雅黑" panose="020B0503020204020204" pitchFamily="34" charset="-122"/>
+                <a:ea typeface="微软雅黑" panose="020B0503020204020204" pitchFamily="34" charset="-122"/>
+              </a:rPr>
+              <a:t>, </a:t>
+            </a:r>
+            <a:r>
+              <a:rPr lang="en-US" altLang="zh-CN" sz="2600">
+                <a:solidFill>
+                  <a:srgbClr val="000000"/>
+                </a:solidFill>
+                <a:latin typeface="微软雅黑" panose="020B0503020204020204" pitchFamily="34" charset="-122"/>
+                <a:ea typeface="微软雅黑" panose="020B0503020204020204" pitchFamily="34" charset="-122"/>
+              </a:rPr>
+              <a:t>2</a:t>
+            </a:r>
+            <a:r>
+              <a:rPr lang="zh-CN" altLang="en-US" sz="2600">
+                <a:solidFill>
+                  <a:srgbClr val="000000"/>
+                </a:solidFill>
+                <a:latin typeface="微软雅黑" panose="020B0503020204020204" pitchFamily="34" charset="-122"/>
+                <a:ea typeface="微软雅黑" panose="020B0503020204020204" pitchFamily="34" charset="-122"/>
+              </a:rPr>
+              <a:t>, </a:t>
+            </a:r>
+            <a:r>
+              <a:rPr lang="en-US" altLang="zh-CN" sz="2600">
+                <a:solidFill>
+                  <a:srgbClr val="000000"/>
+                </a:solidFill>
+                <a:latin typeface="微软雅黑" panose="020B0503020204020204" pitchFamily="34" charset="-122"/>
+                <a:ea typeface="微软雅黑" panose="020B0503020204020204" pitchFamily="34" charset="-122"/>
+              </a:rPr>
+              <a:t>3</a:t>
+            </a:r>
+            <a:r>
+              <a:rPr lang="zh-CN" altLang="en-US" sz="2600">
+                <a:solidFill>
+                  <a:srgbClr val="000000"/>
+                </a:solidFill>
+                <a:latin typeface="微软雅黑" panose="020B0503020204020204" pitchFamily="34" charset="-122"/>
+                <a:ea typeface="微软雅黑" panose="020B0503020204020204" pitchFamily="34" charset="-122"/>
+              </a:rPr>
+              <a:t>]</a:t>
             </a:r>
             <a:endParaRPr lang="zh-CN" altLang="en-US" sz="2600">
               <a:solidFill>
